--- a/courseware-materials/lecture1/graphical-course-lecture1.pptx
+++ b/courseware-materials/lecture1/graphical-course-lecture1.pptx
@@ -2652,19 +2652,21 @@
           </a:xfrm>
         </p:spPr>
         <p:txBody>
-          <a:bodyPr/>
+          <a:bodyPr>
+            <a:normAutofit fontScale="90000"/>
+          </a:bodyPr>
           <a:p>
             <a:pPr algn="ctr"/>
             <a:r>
               <a:rPr lang="zh-CN" altLang="en-US" sz="6600">
-                <a:latin typeface="STHeiti Light" panose="02010600040101010101" charset="-122"/>
-                <a:ea typeface="STHeiti Light" panose="02010600040101010101" charset="-122"/>
+                <a:latin typeface="微软雅黑" charset="0"/>
+                <a:ea typeface="微软雅黑" charset="0"/>
               </a:rPr>
               <a:t>图形与渲染技术</a:t>
             </a:r>
             <a:endParaRPr lang="zh-CN" altLang="en-US" sz="6600">
-              <a:latin typeface="STHeiti Light" panose="02010600040101010101" charset="-122"/>
-              <a:ea typeface="STHeiti Light" panose="02010600040101010101" charset="-122"/>
+              <a:latin typeface="微软雅黑" charset="0"/>
+              <a:ea typeface="微软雅黑" charset="0"/>
             </a:endParaRPr>
           </a:p>
         </p:txBody>
@@ -2701,7 +2703,7 @@
         </p:nvSpPr>
         <p:spPr>
           <a:xfrm>
-            <a:off x="3482340" y="3487420"/>
+            <a:off x="4634865" y="3759835"/>
             <a:ext cx="4866640" cy="368300"/>
           </a:xfrm>
           <a:prstGeom prst="rect">
@@ -2715,25 +2717,33 @@
           </a:bodyPr>
           <a:p>
             <a:r>
+              <a:rPr lang="en-US" altLang="zh-CN">
+                <a:latin typeface="微软雅黑" charset="0"/>
+                <a:ea typeface="微软雅黑" charset="0"/>
+                <a:cs typeface="微软雅黑" charset="0"/>
+              </a:rPr>
+              <a:t>-- </a:t>
+            </a:r>
+            <a:r>
               <a:rPr lang="zh-CN" altLang="en-US">
-                <a:latin typeface="STHeiti Light" panose="02010600040101010101" charset="-122"/>
-                <a:ea typeface="STHeiti Light" panose="02010600040101010101" charset="-122"/>
-                <a:cs typeface="STHeiti Light" panose="02010600040101010101" charset="-122"/>
+                <a:latin typeface="微软雅黑" charset="0"/>
+                <a:ea typeface="微软雅黑" charset="0"/>
+                <a:cs typeface="微软雅黑" charset="0"/>
               </a:rPr>
               <a:t>孙绍彬 </a:t>
             </a:r>
             <a:r>
               <a:rPr lang="en-US" altLang="zh-CN">
-                <a:latin typeface="STHeiti Light" panose="02010600040101010101" charset="-122"/>
-                <a:ea typeface="STHeiti Light" panose="02010600040101010101" charset="-122"/>
-                <a:cs typeface="STHeiti Light" panose="02010600040101010101" charset="-122"/>
+                <a:latin typeface="微软雅黑" charset="0"/>
+                <a:ea typeface="微软雅黑" charset="0"/>
+                <a:cs typeface="微软雅黑" charset="0"/>
               </a:rPr>
               <a:t>71184501138@stu.ecnu.edu.cn</a:t>
             </a:r>
             <a:endParaRPr lang="en-US" altLang="zh-CN">
-              <a:latin typeface="STHeiti Light" panose="02010600040101010101" charset="-122"/>
-              <a:ea typeface="STHeiti Light" panose="02010600040101010101" charset="-122"/>
-              <a:cs typeface="STHeiti Light" panose="02010600040101010101" charset="-122"/>
+              <a:latin typeface="微软雅黑" charset="0"/>
+              <a:ea typeface="微软雅黑" charset="0"/>
+              <a:cs typeface="微软雅黑" charset="0"/>
             </a:endParaRPr>
           </a:p>
         </p:txBody>
@@ -2749,7 +2759,7 @@
         <p:spPr>
           <a:xfrm>
             <a:off x="250825" y="147320"/>
-            <a:ext cx="4022090" cy="857885"/>
+            <a:ext cx="3909060" cy="944880"/>
           </a:xfrm>
           <a:prstGeom prst="rect">
             <a:avLst/>
@@ -2757,7 +2767,7 @@
         </p:spPr>
         <p:txBody>
           <a:bodyPr vert="horz" lIns="91440" tIns="45720" rIns="91440" bIns="45720" rtlCol="0" anchor="b">
-            <a:normAutofit fontScale="80000"/>
+            <a:normAutofit fontScale="90000"/>
           </a:bodyPr>
           <a:lstStyle>
             <a:lvl1pPr algn="ctr" defTabSz="914400" rtl="0" eaLnBrk="1" latinLnBrk="0" hangingPunct="1">
@@ -2868,7 +2878,7 @@
         </p:blipFill>
         <p:spPr>
           <a:xfrm>
-            <a:off x="867410" y="1572895"/>
+            <a:off x="846455" y="1835150"/>
             <a:ext cx="1301750" cy="2948305"/>
           </a:xfrm>
           <a:prstGeom prst="rect">
@@ -2878,14 +2888,14 @@
       </p:pic>
       <p:sp>
         <p:nvSpPr>
-          <p:cNvPr id="5" name="文本框 4"/>
+          <p:cNvPr id="12" name="文本框 11"/>
           <p:cNvSpPr txBox="1"/>
           <p:nvPr/>
         </p:nvSpPr>
         <p:spPr>
           <a:xfrm>
-            <a:off x="2830195" y="2421890"/>
-            <a:ext cx="6984365" cy="1568450"/>
+            <a:off x="3167380" y="2271395"/>
+            <a:ext cx="5370195" cy="2076450"/>
           </a:xfrm>
           <a:prstGeom prst="rect">
             <a:avLst/>
@@ -2897,42 +2907,95 @@
             <a:spAutoFit/>
           </a:bodyPr>
           <a:p>
-            <a:r>
-              <a:rPr sz="3200">
-                <a:latin typeface="STHeiti Light" panose="02010600040101010101" charset="-122"/>
-                <a:ea typeface="STHeiti Light" panose="02010600040101010101" charset="-122"/>
+            <a:pPr marL="285750" indent="-285750">
+              <a:buFont typeface="Wingdings" panose="05000000000000000000" pitchFamily="2" charset="2"/>
+              <a:buChar char="u"/>
+            </a:pPr>
+            <a:r>
+              <a:rPr lang="en-US" sz="2400" b="1" dirty="0" smtClean="0">
+                <a:latin typeface="微软雅黑" charset="-122"/>
+                <a:ea typeface="微软雅黑" charset="-122"/>
+              </a:rPr>
+              <a:t> </a:t>
+            </a:r>
+            <a:r>
+              <a:rPr sz="2400" b="1" dirty="0" smtClean="0">
+                <a:latin typeface="微软雅黑" charset="-122"/>
+                <a:ea typeface="微软雅黑" charset="-122"/>
+                <a:sym typeface="+mn-ea"/>
               </a:rPr>
               <a:t>图形之中也会有图像的成分</a:t>
             </a:r>
-            <a:endParaRPr sz="3200">
+            <a:endParaRPr sz="2400" b="1" dirty="0" smtClean="0">
+              <a:latin typeface="微软雅黑" charset="-122"/>
+              <a:ea typeface="微软雅黑" charset="-122"/>
+              <a:sym typeface="+mn-ea"/>
+            </a:endParaRPr>
+          </a:p>
+          <a:p>
+            <a:pPr indent="0">
+              <a:buFont typeface="Wingdings" panose="05000000000000000000" pitchFamily="2" charset="2"/>
+              <a:buNone/>
+            </a:pPr>
+            <a:endParaRPr sz="2400" b="1" dirty="0" smtClean="0">
+              <a:latin typeface="微软雅黑" charset="-122"/>
+              <a:ea typeface="微软雅黑" charset="-122"/>
+            </a:endParaRPr>
+          </a:p>
+          <a:p>
+            <a:pPr marL="285750" indent="-285750">
+              <a:lnSpc>
+                <a:spcPct val="150000"/>
+              </a:lnSpc>
+              <a:buFont typeface="Wingdings" panose="05000000000000000000" pitchFamily="2" charset="2"/>
+              <a:buChar char="Ø"/>
+            </a:pPr>
+            <a:r>
+              <a:rPr>
+                <a:latin typeface="微软雅黑" charset="0"/>
+                <a:ea typeface="微软雅黑" charset="0"/>
+                <a:sym typeface="+mn-ea"/>
+              </a:rPr>
+              <a:t>图形的显示最终要转化为图像理</a:t>
+            </a:r>
+            <a:endParaRPr lang="zh-CN" altLang="en-US" dirty="0" smtClean="0">
+              <a:latin typeface="微软雅黑" charset="-122"/>
+              <a:ea typeface="微软雅黑" charset="-122"/>
+              <a:sym typeface="+mn-ea"/>
+            </a:endParaRPr>
+          </a:p>
+          <a:p>
+            <a:pPr marL="285750" indent="-285750">
+              <a:lnSpc>
+                <a:spcPct val="150000"/>
+              </a:lnSpc>
+              <a:buFont typeface="Wingdings" panose="05000000000000000000" pitchFamily="2" charset="2"/>
+              <a:buChar char="Ø"/>
+            </a:pPr>
+            <a:r>
+              <a:rPr>
+                <a:latin typeface="微软雅黑" charset="0"/>
+                <a:ea typeface="微软雅黑" charset="0"/>
+                <a:sym typeface="+mn-ea"/>
+              </a:rPr>
+              <a:t>图形中的纹理就是图像</a:t>
+            </a:r>
+            <a:endParaRPr>
               <a:latin typeface="STHeiti Light" panose="02010600040101010101" charset="-122"/>
               <a:ea typeface="STHeiti Light" panose="02010600040101010101" charset="-122"/>
             </a:endParaRPr>
           </a:p>
           <a:p>
-            <a:r>
-              <a:rPr sz="3200">
-                <a:latin typeface="STHeiti Light" panose="02010600040101010101" charset="-122"/>
-                <a:ea typeface="STHeiti Light" panose="02010600040101010101" charset="-122"/>
-              </a:rPr>
-              <a:t>• 图形的显示最终要转化为图像</a:t>
-            </a:r>
-            <a:endParaRPr sz="3200">
-              <a:latin typeface="STHeiti Light" panose="02010600040101010101" charset="-122"/>
-              <a:ea typeface="STHeiti Light" panose="02010600040101010101" charset="-122"/>
-            </a:endParaRPr>
-          </a:p>
-          <a:p>
-            <a:r>
-              <a:rPr sz="3200">
-                <a:latin typeface="STHeiti Light" panose="02010600040101010101" charset="-122"/>
-                <a:ea typeface="STHeiti Light" panose="02010600040101010101" charset="-122"/>
-              </a:rPr>
-              <a:t>• 图形中的纹理就是图像</a:t>
-            </a:r>
-            <a:endParaRPr sz="3200">
-              <a:latin typeface="STHeiti Light" panose="02010600040101010101" charset="-122"/>
-              <a:ea typeface="STHeiti Light" panose="02010600040101010101" charset="-122"/>
+            <a:pPr marL="285750" indent="-285750">
+              <a:lnSpc>
+                <a:spcPct val="150000"/>
+              </a:lnSpc>
+              <a:buFont typeface="Wingdings" panose="05000000000000000000" pitchFamily="2" charset="2"/>
+              <a:buChar char="Ø"/>
+            </a:pPr>
+            <a:endParaRPr lang="zh-CN" altLang="en-US" sz="1800" dirty="0" smtClean="0">
+              <a:latin typeface="微软雅黑" charset="-122"/>
+              <a:ea typeface="微软雅黑" charset="-122"/>
             </a:endParaRPr>
           </a:p>
         </p:txBody>
@@ -3025,8 +3088,8 @@
         </p:nvSpPr>
         <p:spPr>
           <a:xfrm>
-            <a:off x="2802255" y="2398395"/>
-            <a:ext cx="6984365" cy="2061210"/>
+            <a:off x="2604135" y="2818765"/>
+            <a:ext cx="6984365" cy="1106805"/>
           </a:xfrm>
           <a:prstGeom prst="rect">
             <a:avLst/>
@@ -3038,118 +3101,158 @@
             <a:spAutoFit/>
           </a:bodyPr>
           <a:p>
-            <a:r>
-              <a:rPr lang="zh-CN" altLang="en-US" sz="3200">
-                <a:latin typeface="STHeiti Light" panose="02010600040101010101" charset="-122"/>
-                <a:ea typeface="STHeiti Light" panose="02010600040101010101" charset="-122"/>
+            <a:pPr marL="285750" indent="-285750" algn="l">
+              <a:buFont typeface="Wingdings" panose="05000000000000000000" pitchFamily="2" charset="2"/>
+              <a:buChar char="u"/>
+            </a:pPr>
+            <a:endParaRPr sz="2400" b="1" dirty="0" smtClean="0">
+              <a:latin typeface="微软雅黑" charset="-122"/>
+              <a:ea typeface="微软雅黑" charset="-122"/>
+            </a:endParaRPr>
+          </a:p>
+          <a:p>
+            <a:pPr marL="285750" indent="-285750" algn="l">
+              <a:buFont typeface="Wingdings" panose="05000000000000000000" pitchFamily="2" charset="2"/>
+              <a:buChar char="u"/>
+            </a:pPr>
+            <a:endParaRPr sz="2400" b="1" dirty="0" smtClean="0">
+              <a:latin typeface="微软雅黑" charset="-122"/>
+              <a:ea typeface="微软雅黑" charset="-122"/>
+            </a:endParaRPr>
+          </a:p>
+          <a:p>
+            <a:endParaRPr sz="1800">
+              <a:latin typeface="微软雅黑" charset="0"/>
+              <a:ea typeface="微软雅黑" charset="0"/>
+            </a:endParaRPr>
+          </a:p>
+        </p:txBody>
+      </p:sp>
+      <p:sp>
+        <p:nvSpPr>
+          <p:cNvPr id="12" name="文本框 11"/>
+          <p:cNvSpPr txBox="1"/>
+          <p:nvPr/>
+        </p:nvSpPr>
+        <p:spPr>
+          <a:xfrm>
+            <a:off x="3106420" y="2009140"/>
+            <a:ext cx="5979160" cy="2076450"/>
+          </a:xfrm>
+          <a:prstGeom prst="rect">
+            <a:avLst/>
+          </a:prstGeom>
+          <a:noFill/>
+        </p:spPr>
+        <p:txBody>
+          <a:bodyPr wrap="square" rtlCol="0">
+            <a:spAutoFit/>
+          </a:bodyPr>
+          <a:p>
+            <a:pPr marL="285750" indent="-285750">
+              <a:buFont typeface="Wingdings" panose="05000000000000000000" pitchFamily="2" charset="2"/>
+              <a:buChar char="u"/>
+            </a:pPr>
+            <a:r>
+              <a:rPr lang="en-US" sz="2400" b="1" dirty="0" smtClean="0">
+                <a:latin typeface="微软雅黑" charset="-122"/>
+                <a:ea typeface="微软雅黑" charset="-122"/>
+              </a:rPr>
+              <a:t> </a:t>
+            </a:r>
+            <a:r>
+              <a:rPr sz="2400" b="1" dirty="0" smtClean="0">
+                <a:latin typeface="微软雅黑" charset="-122"/>
+                <a:ea typeface="微软雅黑" charset="-122"/>
+                <a:sym typeface="+mn-ea"/>
               </a:rPr>
               <a:t>韩创中的哪些项目需要这些技术？</a:t>
             </a:r>
-            <a:endParaRPr lang="zh-CN" altLang="en-US" sz="3200">
-              <a:latin typeface="STHeiti Light" panose="02010600040101010101" charset="-122"/>
-              <a:ea typeface="STHeiti Light" panose="02010600040101010101" charset="-122"/>
-            </a:endParaRPr>
-          </a:p>
-          <a:p>
-            <a:endParaRPr lang="zh-CN" altLang="en-US" sz="3200">
-              <a:latin typeface="STHeiti Light" panose="02010600040101010101" charset="-122"/>
-              <a:ea typeface="STHeiti Light" panose="02010600040101010101" charset="-122"/>
-            </a:endParaRPr>
-          </a:p>
-          <a:p>
-            <a:r>
-              <a:rPr lang="zh-CN" altLang="en-US" sz="3200">
-                <a:latin typeface="STHeiti Light" panose="02010600040101010101" charset="-122"/>
-                <a:ea typeface="STHeiti Light" panose="02010600040101010101" charset="-122"/>
-              </a:rPr>
-              <a:t>图片编</a:t>
-            </a:r>
-            <a:r>
-              <a:rPr lang="en-US" altLang="zh-CN" sz="3200">
-                <a:latin typeface="STHeiti Light" panose="02010600040101010101" charset="-122"/>
-                <a:ea typeface="STHeiti Light" panose="02010600040101010101" charset="-122"/>
-              </a:rPr>
-              <a:t>,</a:t>
-            </a:r>
-            <a:r>
-              <a:rPr lang="zh-CN" altLang="en-US" sz="3200">
-                <a:latin typeface="STHeiti Light" panose="02010600040101010101" charset="-122"/>
-                <a:ea typeface="STHeiti Light" panose="02010600040101010101" charset="-122"/>
-              </a:rPr>
-              <a:t>视频编辑器</a:t>
-            </a:r>
-            <a:r>
-              <a:rPr lang="en-US" altLang="zh-CN" sz="3200">
-                <a:latin typeface="STHeiti Light" panose="02010600040101010101" charset="-122"/>
-                <a:ea typeface="STHeiti Light" panose="02010600040101010101" charset="-122"/>
-              </a:rPr>
-              <a:t>,PPT</a:t>
-            </a:r>
-            <a:r>
-              <a:rPr lang="zh-CN" altLang="en-US" sz="3200">
-                <a:latin typeface="STHeiti Light" panose="02010600040101010101" charset="-122"/>
-                <a:ea typeface="STHeiti Light" panose="02010600040101010101" charset="-122"/>
+            <a:endParaRPr sz="2400" b="1" dirty="0" smtClean="0">
+              <a:latin typeface="微软雅黑" charset="-122"/>
+              <a:ea typeface="微软雅黑" charset="-122"/>
+              <a:sym typeface="+mn-ea"/>
+            </a:endParaRPr>
+          </a:p>
+          <a:p>
+            <a:pPr indent="0">
+              <a:buFont typeface="Wingdings" panose="05000000000000000000" pitchFamily="2" charset="2"/>
+              <a:buNone/>
+            </a:pPr>
+            <a:endParaRPr sz="2400" b="1" dirty="0" smtClean="0">
+              <a:latin typeface="微软雅黑" charset="-122"/>
+              <a:ea typeface="微软雅黑" charset="-122"/>
+            </a:endParaRPr>
+          </a:p>
+          <a:p>
+            <a:pPr marL="285750" indent="-285750">
+              <a:lnSpc>
+                <a:spcPct val="150000"/>
+              </a:lnSpc>
+              <a:buFont typeface="Wingdings" panose="05000000000000000000" pitchFamily="2" charset="2"/>
+              <a:buChar char="Ø"/>
+            </a:pPr>
+            <a:r>
+              <a:rPr>
+                <a:latin typeface="微软雅黑" charset="0"/>
+                <a:ea typeface="微软雅黑" charset="0"/>
+                <a:sym typeface="+mn-ea"/>
+              </a:rPr>
+              <a:t>图片</a:t>
+            </a:r>
+            <a:r>
+              <a:rPr lang="zh-CN">
+                <a:latin typeface="微软雅黑" charset="0"/>
+                <a:ea typeface="微软雅黑" charset="0"/>
+                <a:sym typeface="+mn-ea"/>
               </a:rPr>
               <a:t>编辑器</a:t>
             </a:r>
             <a:r>
-              <a:rPr lang="en-US" altLang="zh-CN" sz="3200">
-                <a:latin typeface="STHeiti Light" panose="02010600040101010101" charset="-122"/>
-                <a:ea typeface="STHeiti Light" panose="02010600040101010101" charset="-122"/>
-              </a:rPr>
-              <a:t>....</a:t>
-            </a:r>
-            <a:endParaRPr lang="en-US" altLang="zh-CN" sz="3200">
-              <a:latin typeface="STHeiti Light" panose="02010600040101010101" charset="-122"/>
-              <a:ea typeface="STHeiti Light" panose="02010600040101010101" charset="-122"/>
-            </a:endParaRPr>
-          </a:p>
-          <a:p>
-            <a:r>
-              <a:rPr lang="zh-CN" altLang="en-US" sz="3200">
-                <a:latin typeface="STHeiti Light" panose="02010600040101010101" charset="-122"/>
-                <a:ea typeface="STHeiti Light" panose="02010600040101010101" charset="-122"/>
-              </a:rPr>
-              <a:t>滤镜</a:t>
-            </a:r>
-            <a:r>
-              <a:rPr lang="en-US" altLang="zh-CN" sz="3200">
-                <a:latin typeface="STHeiti Light" panose="02010600040101010101" charset="-122"/>
-                <a:ea typeface="STHeiti Light" panose="02010600040101010101" charset="-122"/>
-              </a:rPr>
-              <a:t>,3D</a:t>
-            </a:r>
-            <a:r>
-              <a:rPr lang="zh-CN" altLang="en-US" sz="3200">
-                <a:latin typeface="STHeiti Light" panose="02010600040101010101" charset="-122"/>
-                <a:ea typeface="STHeiti Light" panose="02010600040101010101" charset="-122"/>
-              </a:rPr>
-              <a:t>字</a:t>
-            </a:r>
-            <a:r>
-              <a:rPr lang="en-US" altLang="zh-CN" sz="3200">
-                <a:latin typeface="STHeiti Light" panose="02010600040101010101" charset="-122"/>
-                <a:ea typeface="STHeiti Light" panose="02010600040101010101" charset="-122"/>
-              </a:rPr>
-              <a:t>,</a:t>
-            </a:r>
-            <a:r>
-              <a:rPr lang="zh-CN" altLang="en-US" sz="3200">
-                <a:latin typeface="STHeiti Light" panose="02010600040101010101" charset="-122"/>
-                <a:ea typeface="STHeiti Light" panose="02010600040101010101" charset="-122"/>
-              </a:rPr>
-              <a:t>动画</a:t>
-            </a:r>
-            <a:r>
-              <a:rPr lang="en-US" altLang="zh-CN" sz="3200">
-                <a:latin typeface="STHeiti Light" panose="02010600040101010101" charset="-122"/>
-                <a:ea typeface="STHeiti Light" panose="02010600040101010101" charset="-122"/>
-              </a:rPr>
-              <a:t>....</a:t>
-            </a:r>
-            <a:endParaRPr lang="en-US" altLang="zh-CN" sz="3200">
-              <a:latin typeface="STHeiti Light" panose="02010600040101010101" charset="-122"/>
-              <a:ea typeface="STHeiti Light" panose="02010600040101010101" charset="-122"/>
+              <a:rPr>
+                <a:latin typeface="微软雅黑" charset="0"/>
+                <a:ea typeface="微软雅黑" charset="0"/>
+                <a:sym typeface="+mn-ea"/>
+              </a:rPr>
+              <a:t>,视频编辑器,PPT编辑器.... </a:t>
+            </a:r>
+            <a:endParaRPr>
+              <a:latin typeface="微软雅黑" charset="0"/>
+              <a:ea typeface="微软雅黑" charset="0"/>
+            </a:endParaRPr>
+          </a:p>
+          <a:p>
+            <a:pPr marL="285750" indent="-285750">
+              <a:lnSpc>
+                <a:spcPct val="150000"/>
+              </a:lnSpc>
+              <a:buFont typeface="Wingdings" panose="05000000000000000000" pitchFamily="2" charset="2"/>
+              <a:buChar char="Ø"/>
+            </a:pPr>
+            <a:r>
+              <a:rPr>
+                <a:latin typeface="微软雅黑" charset="0"/>
+                <a:ea typeface="微软雅黑" charset="0"/>
+                <a:sym typeface="+mn-ea"/>
+              </a:rPr>
+              <a:t>滤镜,3D字,动画....</a:t>
+            </a:r>
+            <a:endParaRPr>
+              <a:latin typeface="微软雅黑" charset="0"/>
+              <a:ea typeface="微软雅黑" charset="0"/>
+            </a:endParaRPr>
+          </a:p>
+          <a:p>
+            <a:pPr marL="285750" indent="-285750">
+              <a:lnSpc>
+                <a:spcPct val="150000"/>
+              </a:lnSpc>
+              <a:buFont typeface="Wingdings" panose="05000000000000000000" pitchFamily="2" charset="2"/>
+              <a:buChar char="Ø"/>
+            </a:pPr>
+            <a:endParaRPr lang="zh-CN" altLang="en-US" sz="1800" dirty="0" smtClean="0">
+              <a:latin typeface="微软雅黑" charset="-122"/>
+              <a:ea typeface="微软雅黑" charset="-122"/>
             </a:endParaRPr>
           </a:p>
         </p:txBody>
@@ -3290,7 +3393,7 @@
         </p:nvSpPr>
         <p:spPr>
           <a:xfrm>
-            <a:off x="2169160" y="1572895"/>
+            <a:off x="2332990" y="1494790"/>
             <a:ext cx="5730240" cy="521970"/>
           </a:xfrm>
           <a:prstGeom prst="rect">
@@ -3304,15 +3407,85 @@
           </a:bodyPr>
           <a:p>
             <a:r>
-              <a:rPr lang="zh-CN" altLang="en-US" sz="2800">
-                <a:latin typeface="STHeiti Light" panose="02010600040101010101" charset="-122"/>
-                <a:ea typeface="STHeiti Light" panose="02010600040101010101" charset="-122"/>
-              </a:rPr>
-              <a:t>图片滤镜</a:t>
-            </a:r>
-            <a:endParaRPr lang="zh-CN" altLang="en-US" sz="2800">
-              <a:latin typeface="STHeiti Light" panose="02010600040101010101" charset="-122"/>
-              <a:ea typeface="STHeiti Light" panose="02010600040101010101" charset="-122"/>
+              <a:rPr lang="zh-CN" altLang="en-US" sz="2800" b="1">
+                <a:latin typeface="微软雅黑" charset="0"/>
+                <a:ea typeface="微软雅黑" charset="0"/>
+              </a:rPr>
+              <a:t>图片滤镜：</a:t>
+            </a:r>
+            <a:endParaRPr lang="zh-CN" altLang="en-US" sz="2800" b="1">
+              <a:latin typeface="微软雅黑" charset="0"/>
+              <a:ea typeface="微软雅黑" charset="0"/>
+            </a:endParaRPr>
+          </a:p>
+        </p:txBody>
+      </p:sp>
+      <p:sp>
+        <p:nvSpPr>
+          <p:cNvPr id="5" name="文本框 4"/>
+          <p:cNvSpPr txBox="1"/>
+          <p:nvPr/>
+        </p:nvSpPr>
+        <p:spPr>
+          <a:xfrm>
+            <a:off x="4161790" y="5005070"/>
+            <a:ext cx="640080" cy="368300"/>
+          </a:xfrm>
+          <a:prstGeom prst="rect">
+            <a:avLst/>
+          </a:prstGeom>
+          <a:noFill/>
+        </p:spPr>
+        <p:txBody>
+          <a:bodyPr wrap="none" rtlCol="0">
+            <a:spAutoFit/>
+          </a:bodyPr>
+          <a:p>
+            <a:r>
+              <a:rPr lang="zh-CN" altLang="en-US">
+                <a:latin typeface="微软雅黑" charset="0"/>
+                <a:ea typeface="微软雅黑" charset="0"/>
+              </a:rPr>
+              <a:t>原图</a:t>
+            </a:r>
+            <a:endParaRPr lang="zh-CN" altLang="en-US">
+              <a:latin typeface="微软雅黑" charset="0"/>
+              <a:ea typeface="微软雅黑" charset="0"/>
+            </a:endParaRPr>
+          </a:p>
+        </p:txBody>
+      </p:sp>
+      <p:sp>
+        <p:nvSpPr>
+          <p:cNvPr id="8" name="文本框 7"/>
+          <p:cNvSpPr txBox="1"/>
+          <p:nvPr/>
+        </p:nvSpPr>
+        <p:spPr>
+          <a:xfrm>
+            <a:off x="8786495" y="6413500"/>
+            <a:ext cx="868680" cy="368300"/>
+          </a:xfrm>
+          <a:prstGeom prst="rect">
+            <a:avLst/>
+          </a:prstGeom>
+          <a:noFill/>
+        </p:spPr>
+        <p:txBody>
+          <a:bodyPr wrap="none" rtlCol="0">
+            <a:spAutoFit/>
+          </a:bodyPr>
+          <a:p>
+            <a:r>
+              <a:rPr lang="zh-CN" altLang="en-US">
+                <a:latin typeface="微软雅黑" charset="0"/>
+                <a:ea typeface="微软雅黑" charset="0"/>
+              </a:rPr>
+              <a:t>处理后</a:t>
+            </a:r>
+            <a:endParaRPr lang="zh-CN" altLang="en-US">
+              <a:latin typeface="微软雅黑" charset="0"/>
+              <a:ea typeface="微软雅黑" charset="0"/>
             </a:endParaRPr>
           </a:p>
         </p:txBody>
@@ -3337,6 +3510,55 @@
       <p:grpSpPr/>
       <p:sp>
         <p:nvSpPr>
+          <p:cNvPr id="3" name="圆角矩形 2"/>
+          <p:cNvSpPr/>
+          <p:nvPr/>
+        </p:nvSpPr>
+        <p:spPr>
+          <a:xfrm>
+            <a:off x="2226945" y="1998980"/>
+            <a:ext cx="4338320" cy="2354580"/>
+          </a:xfrm>
+          <a:prstGeom prst="roundRect">
+            <a:avLst/>
+          </a:prstGeom>
+          <a:solidFill>
+            <a:schemeClr val="bg1"/>
+          </a:solidFill>
+          <a:ln>
+            <a:solidFill>
+              <a:schemeClr val="bg2">
+                <a:lumMod val="25000"/>
+              </a:schemeClr>
+            </a:solidFill>
+          </a:ln>
+        </p:spPr>
+        <p:style>
+          <a:lnRef idx="2">
+            <a:schemeClr val="accent1">
+              <a:shade val="50000"/>
+            </a:schemeClr>
+          </a:lnRef>
+          <a:fillRef idx="1">
+            <a:schemeClr val="accent1"/>
+          </a:fillRef>
+          <a:effectRef idx="0">
+            <a:schemeClr val="accent1"/>
+          </a:effectRef>
+          <a:fontRef idx="minor">
+            <a:schemeClr val="lt1"/>
+          </a:fontRef>
+        </p:style>
+        <p:txBody>
+          <a:bodyPr rtlCol="0" anchor="ctr"/>
+          <a:p>
+            <a:pPr algn="ctr"/>
+            <a:endParaRPr lang="zh-CN" altLang="en-US"/>
+          </a:p>
+        </p:txBody>
+      </p:sp>
+      <p:sp>
+        <p:nvSpPr>
           <p:cNvPr id="2" name="标题 1"/>
           <p:cNvSpPr>
             <a:spLocks noGrp="1"/>
@@ -3405,8 +3627,8 @@
         </p:nvSpPr>
         <p:spPr>
           <a:xfrm>
-            <a:off x="2169160" y="1827530"/>
-            <a:ext cx="5730240" cy="521970"/>
+            <a:off x="2227580" y="1407160"/>
+            <a:ext cx="6070600" cy="521970"/>
           </a:xfrm>
           <a:prstGeom prst="rect">
             <a:avLst/>
@@ -3419,22 +3641,25 @@
           </a:bodyPr>
           <a:p>
             <a:r>
-              <a:rPr lang="en-US" altLang="zh-CN" sz="2800">
-                <a:latin typeface="STHeiti Light" panose="02010600040101010101" charset="-122"/>
-                <a:ea typeface="STHeiti Light" panose="02010600040101010101" charset="-122"/>
+              <a:rPr lang="en-US" altLang="zh-CN" sz="2800" b="1">
+                <a:latin typeface="微软雅黑" charset="0"/>
+                <a:ea typeface="微软雅黑" charset="0"/>
+                <a:cs typeface="微软雅黑" charset="0"/>
               </a:rPr>
               <a:t>3D</a:t>
             </a:r>
             <a:r>
-              <a:rPr lang="zh-CN" altLang="en-US" sz="2800">
-                <a:latin typeface="STHeiti Light" panose="02010600040101010101" charset="-122"/>
-                <a:ea typeface="STHeiti Light" panose="02010600040101010101" charset="-122"/>
-              </a:rPr>
-              <a:t>字</a:t>
-            </a:r>
-            <a:endParaRPr lang="zh-CN" altLang="en-US" sz="2800">
-              <a:latin typeface="STHeiti Light" panose="02010600040101010101" charset="-122"/>
-              <a:ea typeface="STHeiti Light" panose="02010600040101010101" charset="-122"/>
+              <a:rPr lang="zh-CN" altLang="en-US" sz="2800" b="1">
+                <a:latin typeface="微软雅黑" charset="0"/>
+                <a:ea typeface="微软雅黑" charset="0"/>
+                <a:cs typeface="微软雅黑" charset="0"/>
+              </a:rPr>
+              <a:t>字：</a:t>
+            </a:r>
+            <a:endParaRPr lang="zh-CN" altLang="en-US" sz="2800" b="1">
+              <a:latin typeface="微软雅黑" charset="0"/>
+              <a:ea typeface="微软雅黑" charset="0"/>
+              <a:cs typeface="微软雅黑" charset="0"/>
             </a:endParaRPr>
           </a:p>
         </p:txBody>
@@ -3455,38 +3680,172 @@
         </p:blipFill>
         <p:spPr>
           <a:xfrm>
-            <a:off x="2169160" y="2349500"/>
-            <a:ext cx="4366895" cy="1964055"/>
+            <a:off x="2375535" y="2191385"/>
+            <a:ext cx="4040505" cy="1817370"/>
           </a:xfrm>
           <a:prstGeom prst="rect">
             <a:avLst/>
           </a:prstGeom>
         </p:spPr>
       </p:pic>
-      <p:pic>
-        <p:nvPicPr>
-          <p:cNvPr id="8" name="图片 7"/>
-          <p:cNvPicPr>
-            <a:picLocks noChangeAspect="1"/>
-          </p:cNvPicPr>
+      <p:grpSp>
+        <p:nvGrpSpPr>
+          <p:cNvPr id="10" name="组合 9"/>
+          <p:cNvGrpSpPr/>
           <p:nvPr/>
-        </p:nvPicPr>
-        <p:blipFill>
-          <a:blip r:embed="rId3"/>
-          <a:stretch>
-            <a:fillRect/>
-          </a:stretch>
-        </p:blipFill>
-        <p:spPr>
-          <a:xfrm>
-            <a:off x="6062980" y="4313555"/>
-            <a:ext cx="5974715" cy="2314575"/>
+        </p:nvGrpSpPr>
+        <p:grpSpPr>
+          <a:xfrm>
+            <a:off x="6706870" y="3101975"/>
+            <a:ext cx="5297170" cy="2458720"/>
+            <a:chOff x="10692" y="6094"/>
+            <a:chExt cx="8342" cy="3872"/>
+          </a:xfrm>
+        </p:grpSpPr>
+        <p:sp>
+          <p:nvSpPr>
+            <p:cNvPr id="6" name="圆角矩形 5"/>
+            <p:cNvSpPr/>
+            <p:nvPr/>
+          </p:nvSpPr>
+          <p:spPr>
+            <a:xfrm>
+              <a:off x="10692" y="6094"/>
+              <a:ext cx="8342" cy="3873"/>
+            </a:xfrm>
+            <a:prstGeom prst="roundRect">
+              <a:avLst/>
+            </a:prstGeom>
+            <a:solidFill>
+              <a:schemeClr val="bg1"/>
+            </a:solidFill>
+            <a:ln>
+              <a:solidFill>
+                <a:schemeClr val="bg2">
+                  <a:lumMod val="25000"/>
+                </a:schemeClr>
+              </a:solidFill>
+            </a:ln>
+          </p:spPr>
+          <p:style>
+            <a:lnRef idx="2">
+              <a:schemeClr val="accent1">
+                <a:shade val="50000"/>
+              </a:schemeClr>
+            </a:lnRef>
+            <a:fillRef idx="1">
+              <a:schemeClr val="accent1"/>
+            </a:fillRef>
+            <a:effectRef idx="0">
+              <a:schemeClr val="accent1"/>
+            </a:effectRef>
+            <a:fontRef idx="minor">
+              <a:schemeClr val="lt1"/>
+            </a:fontRef>
+          </p:style>
+          <p:txBody>
+            <a:bodyPr rtlCol="0" anchor="ctr"/>
+            <a:p>
+              <a:pPr algn="ctr"/>
+              <a:endParaRPr lang="zh-CN" altLang="en-US"/>
+            </a:p>
+          </p:txBody>
+        </p:sp>
+        <p:pic>
+          <p:nvPicPr>
+            <p:cNvPr id="8" name="图片 7"/>
+            <p:cNvPicPr>
+              <a:picLocks noChangeAspect="1"/>
+            </p:cNvPicPr>
+            <p:nvPr/>
+          </p:nvPicPr>
+          <p:blipFill>
+            <a:blip r:embed="rId3"/>
+            <a:stretch>
+              <a:fillRect/>
+            </a:stretch>
+          </p:blipFill>
+          <p:spPr>
+            <a:xfrm>
+              <a:off x="10820" y="6313"/>
+              <a:ext cx="7983" cy="3093"/>
+            </a:xfrm>
+            <a:prstGeom prst="rect">
+              <a:avLst/>
+            </a:prstGeom>
+          </p:spPr>
+        </p:pic>
+      </p:grpSp>
+      <p:sp>
+        <p:nvSpPr>
+          <p:cNvPr id="9" name="文本框 8"/>
+          <p:cNvSpPr txBox="1"/>
+          <p:nvPr/>
+        </p:nvSpPr>
+        <p:spPr>
+          <a:xfrm>
+            <a:off x="3594100" y="4683760"/>
+            <a:ext cx="1454785" cy="368300"/>
           </a:xfrm>
           <a:prstGeom prst="rect">
             <a:avLst/>
           </a:prstGeom>
-        </p:spPr>
-      </p:pic>
+          <a:noFill/>
+        </p:spPr>
+        <p:txBody>
+          <a:bodyPr wrap="square" rtlCol="0">
+            <a:spAutoFit/>
+          </a:bodyPr>
+          <a:p>
+            <a:r>
+              <a:rPr lang="zh-CN" altLang="en-US">
+                <a:latin typeface="微软雅黑" charset="0"/>
+                <a:ea typeface="微软雅黑" charset="0"/>
+              </a:rPr>
+              <a:t>普通字体</a:t>
+            </a:r>
+            <a:endParaRPr lang="zh-CN" altLang="en-US">
+              <a:latin typeface="微软雅黑" charset="0"/>
+              <a:ea typeface="微软雅黑" charset="0"/>
+            </a:endParaRPr>
+          </a:p>
+        </p:txBody>
+      </p:sp>
+      <p:sp>
+        <p:nvSpPr>
+          <p:cNvPr id="11" name="文本框 10"/>
+          <p:cNvSpPr txBox="1"/>
+          <p:nvPr/>
+        </p:nvSpPr>
+        <p:spPr>
+          <a:xfrm>
+            <a:off x="9059545" y="5909945"/>
+            <a:ext cx="868680" cy="368300"/>
+          </a:xfrm>
+          <a:prstGeom prst="rect">
+            <a:avLst/>
+          </a:prstGeom>
+          <a:noFill/>
+        </p:spPr>
+        <p:txBody>
+          <a:bodyPr wrap="none" rtlCol="0">
+            <a:spAutoFit/>
+          </a:bodyPr>
+          <a:p>
+            <a:r>
+              <a:rPr lang="zh-CN" altLang="en-US">
+                <a:latin typeface="微软雅黑" charset="0"/>
+                <a:ea typeface="微软雅黑" charset="0"/>
+              </a:rPr>
+              <a:t>处理后</a:t>
+            </a:r>
+            <a:endParaRPr lang="zh-CN" altLang="en-US">
+              <a:latin typeface="微软雅黑" charset="0"/>
+              <a:ea typeface="微软雅黑" charset="0"/>
+            </a:endParaRPr>
+          </a:p>
+        </p:txBody>
+      </p:sp>
     </p:spTree>
   </p:cSld>
   <p:clrMapOvr>
@@ -3507,6 +3866,55 @@
       <p:grpSpPr/>
       <p:sp>
         <p:nvSpPr>
+          <p:cNvPr id="6" name="圆角矩形 5"/>
+          <p:cNvSpPr/>
+          <p:nvPr/>
+        </p:nvSpPr>
+        <p:spPr>
+          <a:xfrm>
+            <a:off x="2795270" y="1558290"/>
+            <a:ext cx="8492490" cy="4077335"/>
+          </a:xfrm>
+          <a:prstGeom prst="roundRect">
+            <a:avLst/>
+          </a:prstGeom>
+          <a:solidFill>
+            <a:schemeClr val="bg1"/>
+          </a:solidFill>
+          <a:ln>
+            <a:solidFill>
+              <a:schemeClr val="bg2">
+                <a:lumMod val="25000"/>
+              </a:schemeClr>
+            </a:solidFill>
+          </a:ln>
+        </p:spPr>
+        <p:style>
+          <a:lnRef idx="2">
+            <a:schemeClr val="accent1">
+              <a:shade val="50000"/>
+            </a:schemeClr>
+          </a:lnRef>
+          <a:fillRef idx="1">
+            <a:schemeClr val="accent1"/>
+          </a:fillRef>
+          <a:effectRef idx="0">
+            <a:schemeClr val="accent1"/>
+          </a:effectRef>
+          <a:fontRef idx="minor">
+            <a:schemeClr val="lt1"/>
+          </a:fontRef>
+        </p:style>
+        <p:txBody>
+          <a:bodyPr rtlCol="0" anchor="ctr"/>
+          <a:p>
+            <a:pPr algn="ctr"/>
+            <a:endParaRPr lang="zh-CN" altLang="en-US"/>
+          </a:p>
+        </p:txBody>
+      </p:sp>
+      <p:sp>
+        <p:nvSpPr>
           <p:cNvPr id="2" name="标题 1"/>
           <p:cNvSpPr>
             <a:spLocks noGrp="1"/>
@@ -3559,7 +3967,7 @@
         </p:blipFill>
         <p:spPr>
           <a:xfrm>
-            <a:off x="867410" y="1572895"/>
+            <a:off x="804545" y="1845310"/>
             <a:ext cx="1301750" cy="2948305"/>
           </a:xfrm>
           <a:prstGeom prst="rect">
@@ -3575,8 +3983,8 @@
         </p:nvSpPr>
         <p:spPr>
           <a:xfrm>
-            <a:off x="2710815" y="1663065"/>
-            <a:ext cx="5730240" cy="521970"/>
+            <a:off x="3279140" y="3235325"/>
+            <a:ext cx="1301750" cy="521970"/>
           </a:xfrm>
           <a:prstGeom prst="rect">
             <a:avLst/>
@@ -3590,14 +3998,14 @@
           <a:p>
             <a:r>
               <a:rPr lang="zh-CN" altLang="en-US" sz="2800">
-                <a:latin typeface="STHeiti Light" panose="02010600040101010101" charset="-122"/>
-                <a:ea typeface="STHeiti Light" panose="02010600040101010101" charset="-122"/>
+                <a:latin typeface="微软雅黑" charset="0"/>
+                <a:ea typeface="微软雅黑" charset="0"/>
               </a:rPr>
               <a:t>动画</a:t>
             </a:r>
             <a:endParaRPr lang="zh-CN" altLang="en-US" sz="2800">
-              <a:latin typeface="STHeiti Light" panose="02010600040101010101" charset="-122"/>
-              <a:ea typeface="STHeiti Light" panose="02010600040101010101" charset="-122"/>
+              <a:latin typeface="微软雅黑" charset="0"/>
+              <a:ea typeface="微软雅黑" charset="0"/>
             </a:endParaRPr>
           </a:p>
         </p:txBody>
@@ -3618,7 +4026,7 @@
         </p:blipFill>
         <p:spPr>
           <a:xfrm>
-            <a:off x="2710815" y="2543810"/>
+            <a:off x="7798435" y="2031365"/>
             <a:ext cx="2531110" cy="3130550"/>
           </a:xfrm>
           <a:prstGeom prst="rect">
@@ -3626,6 +4034,53 @@
           </a:prstGeom>
         </p:spPr>
       </p:pic>
+      <p:sp>
+        <p:nvSpPr>
+          <p:cNvPr id="5" name="右箭头 4"/>
+          <p:cNvSpPr/>
+          <p:nvPr/>
+        </p:nvSpPr>
+        <p:spPr>
+          <a:xfrm>
+            <a:off x="5212080" y="3411855"/>
+            <a:ext cx="1198245" cy="168275"/>
+          </a:xfrm>
+          <a:prstGeom prst="rightArrow">
+            <a:avLst/>
+          </a:prstGeom>
+          <a:solidFill>
+            <a:schemeClr val="bg1"/>
+          </a:solidFill>
+          <a:ln>
+            <a:solidFill>
+              <a:srgbClr val="C00000"/>
+            </a:solidFill>
+          </a:ln>
+        </p:spPr>
+        <p:style>
+          <a:lnRef idx="2">
+            <a:schemeClr val="accent1">
+              <a:shade val="50000"/>
+            </a:schemeClr>
+          </a:lnRef>
+          <a:fillRef idx="1">
+            <a:schemeClr val="accent1"/>
+          </a:fillRef>
+          <a:effectRef idx="0">
+            <a:schemeClr val="accent1"/>
+          </a:effectRef>
+          <a:fontRef idx="minor">
+            <a:schemeClr val="lt1"/>
+          </a:fontRef>
+        </p:style>
+        <p:txBody>
+          <a:bodyPr rtlCol="0" anchor="ctr"/>
+          <a:p>
+            <a:pPr algn="ctr"/>
+            <a:endParaRPr lang="zh-CN" altLang="en-US"/>
+          </a:p>
+        </p:txBody>
+      </p:sp>
     </p:spTree>
   </p:cSld>
   <p:clrMapOvr>
@@ -3698,7 +4153,7 @@
         </p:blipFill>
         <p:spPr>
           <a:xfrm>
-            <a:off x="867410" y="1572895"/>
+            <a:off x="867410" y="1954530"/>
             <a:ext cx="1301750" cy="2948305"/>
           </a:xfrm>
           <a:prstGeom prst="rect">
@@ -3708,14 +4163,14 @@
       </p:pic>
       <p:sp>
         <p:nvSpPr>
-          <p:cNvPr id="5" name="文本框 4"/>
+          <p:cNvPr id="12" name="文本框 11"/>
           <p:cNvSpPr txBox="1"/>
           <p:nvPr/>
         </p:nvSpPr>
         <p:spPr>
           <a:xfrm>
-            <a:off x="2817495" y="2459990"/>
-            <a:ext cx="8676640" cy="2306955"/>
+            <a:off x="3367405" y="1442085"/>
+            <a:ext cx="6924675" cy="3876675"/>
           </a:xfrm>
           <a:prstGeom prst="rect">
             <a:avLst/>
@@ -3727,85 +4182,168 @@
             <a:spAutoFit/>
           </a:bodyPr>
           <a:p>
-            <a:r>
-              <a:rPr lang="zh-CN" altLang="en-US" sz="2400">
-                <a:latin typeface="STHeiti Light" panose="02010600040101010101" charset="-122"/>
-                <a:ea typeface="STHeiti Light" panose="02010600040101010101" charset="-122"/>
-              </a:rPr>
-              <a:t>资料：</a:t>
-            </a:r>
-            <a:endParaRPr lang="zh-CN" altLang="en-US" sz="2400">
-              <a:latin typeface="STHeiti Light" panose="02010600040101010101" charset="-122"/>
-              <a:ea typeface="STHeiti Light" panose="02010600040101010101" charset="-122"/>
-            </a:endParaRPr>
-          </a:p>
-          <a:p>
-            <a:r>
-              <a:rPr lang="zh-CN" altLang="en-US" sz="2400">
-                <a:latin typeface="STHeiti Light" panose="02010600040101010101" charset="-122"/>
-                <a:ea typeface="STHeiti Light" panose="02010600040101010101" charset="-122"/>
-              </a:rPr>
-              <a:t>书籍：《计算机图形学（第4版） [Computer Graphics with OpenGL, Fourth Edition]》</a:t>
-            </a:r>
-            <a:r>
-              <a:rPr lang="en-US" altLang="zh-CN" sz="2400">
-                <a:latin typeface="STHeiti Light" panose="02010600040101010101" charset="-122"/>
-                <a:ea typeface="STHeiti Light" panose="02010600040101010101" charset="-122"/>
+            <a:pPr marL="285750" indent="-285750">
+              <a:buFont typeface="Wingdings" panose="05000000000000000000" pitchFamily="2" charset="2"/>
+              <a:buChar char="u"/>
+            </a:pPr>
+            <a:r>
+              <a:rPr lang="en-US" sz="2400" b="1" dirty="0" smtClean="0">
+                <a:latin typeface="微软雅黑" charset="-122"/>
+                <a:ea typeface="微软雅黑" charset="-122"/>
+              </a:rPr>
+              <a:t> </a:t>
+            </a:r>
+            <a:r>
+              <a:rPr sz="2400" b="1" dirty="0" smtClean="0">
+                <a:latin typeface="微软雅黑" charset="-122"/>
+                <a:ea typeface="微软雅黑" charset="-122"/>
+                <a:sym typeface="+mn-ea"/>
+              </a:rPr>
+              <a:t>书籍</a:t>
+            </a:r>
+            <a:r>
+              <a:rPr lang="zh-CN" sz="2400" b="1" dirty="0" smtClean="0">
+                <a:latin typeface="微软雅黑" charset="-122"/>
+                <a:ea typeface="微软雅黑" charset="-122"/>
+                <a:sym typeface="+mn-ea"/>
+              </a:rPr>
+              <a:t>：</a:t>
+            </a:r>
+            <a:endParaRPr sz="2400" b="1" dirty="0" smtClean="0">
+              <a:latin typeface="微软雅黑" charset="-122"/>
+              <a:ea typeface="微软雅黑" charset="-122"/>
+              <a:sym typeface="+mn-ea"/>
+            </a:endParaRPr>
+          </a:p>
+          <a:p>
+            <a:pPr indent="0">
+              <a:buFont typeface="Wingdings" panose="05000000000000000000" pitchFamily="2" charset="2"/>
+              <a:buNone/>
+            </a:pPr>
+            <a:endParaRPr sz="2400" b="1" dirty="0" smtClean="0">
+              <a:latin typeface="微软雅黑" charset="-122"/>
+              <a:ea typeface="微软雅黑" charset="-122"/>
+            </a:endParaRPr>
+          </a:p>
+          <a:p>
+            <a:pPr indent="0" fontAlgn="auto">
+              <a:lnSpc>
+                <a:spcPct val="200000"/>
+              </a:lnSpc>
+              <a:buFont typeface="Wingdings" panose="05000000000000000000" pitchFamily="2" charset="2"/>
+              <a:buNone/>
+            </a:pPr>
+            <a:r>
+              <a:rPr lang="zh-CN" altLang="en-US">
+                <a:latin typeface="微软雅黑" charset="0"/>
+                <a:ea typeface="微软雅黑" charset="0"/>
+                <a:cs typeface="微软雅黑" charset="0"/>
+                <a:sym typeface="+mn-ea"/>
+              </a:rPr>
+              <a:t>《计算机图形学（第4版） [Computer Graphics with OpenGL, Fourth Edition]》</a:t>
+            </a:r>
+            <a:r>
+              <a:rPr lang="en-US" altLang="zh-CN">
+                <a:latin typeface="微软雅黑" charset="0"/>
+                <a:ea typeface="微软雅黑" charset="0"/>
+                <a:cs typeface="微软雅黑" charset="0"/>
+                <a:sym typeface="+mn-ea"/>
               </a:rPr>
               <a:t>,</a:t>
             </a:r>
             <a:r>
-              <a:rPr lang="zh-CN" altLang="en-US" sz="2400">
-                <a:latin typeface="STHeiti Light" panose="02010600040101010101" charset="-122"/>
-                <a:ea typeface="STHeiti Light" panose="02010600040101010101" charset="-122"/>
+              <a:rPr lang="zh-CN" altLang="en-US">
+                <a:latin typeface="微软雅黑" charset="0"/>
+                <a:ea typeface="微软雅黑" charset="0"/>
+                <a:cs typeface="微软雅黑" charset="0"/>
+                <a:sym typeface="+mn-ea"/>
               </a:rPr>
               <a:t>《WebGL编程指南》</a:t>
             </a:r>
             <a:r>
-              <a:rPr lang="en-US" altLang="zh-CN" sz="2400">
-                <a:latin typeface="STHeiti Light" panose="02010600040101010101" charset="-122"/>
-                <a:ea typeface="STHeiti Light" panose="02010600040101010101" charset="-122"/>
+              <a:rPr lang="en-US" altLang="zh-CN">
+                <a:latin typeface="微软雅黑" charset="0"/>
+                <a:ea typeface="微软雅黑" charset="0"/>
+                <a:cs typeface="微软雅黑" charset="0"/>
+                <a:sym typeface="+mn-ea"/>
               </a:rPr>
               <a:t>,</a:t>
             </a:r>
             <a:r>
-              <a:rPr lang="zh-CN" altLang="en-US" sz="2400">
-                <a:latin typeface="STHeiti Light" panose="02010600040101010101" charset="-122"/>
-                <a:ea typeface="STHeiti Light" panose="02010600040101010101" charset="-122"/>
+              <a:rPr lang="zh-CN" altLang="en-US">
+                <a:latin typeface="微软雅黑" charset="0"/>
+                <a:ea typeface="微软雅黑" charset="0"/>
+                <a:cs typeface="微软雅黑" charset="0"/>
+                <a:sym typeface="+mn-ea"/>
               </a:rPr>
               <a:t>《 OpenGL ES 3.0编程指南（原书第2版）》</a:t>
             </a:r>
             <a:r>
-              <a:rPr lang="en-US" altLang="zh-CN" sz="2400">
-                <a:latin typeface="STHeiti Light" panose="02010600040101010101" charset="-122"/>
-                <a:ea typeface="STHeiti Light" panose="02010600040101010101" charset="-122"/>
+              <a:rPr lang="en-US" altLang="zh-CN">
+                <a:latin typeface="微软雅黑" charset="0"/>
+                <a:ea typeface="微软雅黑" charset="0"/>
+                <a:cs typeface="微软雅黑" charset="0"/>
+                <a:sym typeface="+mn-ea"/>
               </a:rPr>
               <a:t>,</a:t>
             </a:r>
             <a:r>
-              <a:rPr lang="zh-CN" altLang="en-US" sz="2400">
-                <a:latin typeface="STHeiti Light" panose="02010600040101010101" charset="-122"/>
-                <a:ea typeface="STHeiti Light" panose="02010600040101010101" charset="-122"/>
+              <a:rPr lang="zh-CN" altLang="en-US">
+                <a:latin typeface="微软雅黑" charset="0"/>
+                <a:ea typeface="微软雅黑" charset="0"/>
+                <a:cs typeface="微软雅黑" charset="0"/>
+                <a:sym typeface="+mn-ea"/>
               </a:rPr>
               <a:t>《HTML5 Canvas核心技术:图形、动画与游戏开发》</a:t>
             </a:r>
             <a:r>
-              <a:rPr lang="en-US" altLang="zh-CN" sz="2400">
-                <a:latin typeface="STHeiti Light" panose="02010600040101010101" charset="-122"/>
-                <a:ea typeface="STHeiti Light" panose="02010600040101010101" charset="-122"/>
+              <a:rPr lang="en-US" altLang="zh-CN">
+                <a:latin typeface="微软雅黑" charset="0"/>
+                <a:ea typeface="微软雅黑" charset="0"/>
+                <a:cs typeface="微软雅黑" charset="0"/>
+                <a:sym typeface="+mn-ea"/>
               </a:rPr>
               <a:t>,</a:t>
             </a:r>
             <a:r>
-              <a:rPr lang="zh-CN" altLang="en-US" sz="2400">
-                <a:latin typeface="STHeiti Light" panose="02010600040101010101" charset="-122"/>
-                <a:ea typeface="STHeiti Light" panose="02010600040101010101" charset="-122"/>
+              <a:rPr lang="zh-CN" altLang="en-US">
+                <a:latin typeface="微软雅黑" charset="0"/>
+                <a:ea typeface="微软雅黑" charset="0"/>
+                <a:cs typeface="微软雅黑" charset="0"/>
+                <a:sym typeface="+mn-ea"/>
               </a:rPr>
               <a:t>《数字图像处理（第四版）》</a:t>
             </a:r>
-            <a:endParaRPr lang="zh-CN" altLang="en-US" sz="2400">
-              <a:latin typeface="STHeiti Light" panose="02010600040101010101" charset="-122"/>
-              <a:ea typeface="STHeiti Light" panose="02010600040101010101" charset="-122"/>
+            <a:endParaRPr lang="zh-CN" altLang="en-US">
+              <a:latin typeface="微软雅黑" charset="0"/>
+              <a:ea typeface="微软雅黑" charset="0"/>
+              <a:cs typeface="微软雅黑" charset="0"/>
+            </a:endParaRPr>
+          </a:p>
+          <a:p>
+            <a:pPr indent="0">
+              <a:lnSpc>
+                <a:spcPct val="150000"/>
+              </a:lnSpc>
+              <a:buFont typeface="Wingdings" panose="05000000000000000000" pitchFamily="2" charset="2"/>
+              <a:buNone/>
+            </a:pPr>
+            <a:endParaRPr>
+              <a:latin typeface="微软雅黑" charset="0"/>
+              <a:ea typeface="微软雅黑" charset="0"/>
+            </a:endParaRPr>
+          </a:p>
+          <a:p>
+            <a:pPr marL="285750" indent="-285750">
+              <a:lnSpc>
+                <a:spcPct val="150000"/>
+              </a:lnSpc>
+              <a:buFont typeface="Wingdings" panose="05000000000000000000" pitchFamily="2" charset="2"/>
+              <a:buChar char="Ø"/>
+            </a:pPr>
+            <a:endParaRPr lang="zh-CN" altLang="en-US" sz="1800" dirty="0" smtClean="0">
+              <a:latin typeface="微软雅黑" charset="-122"/>
+              <a:ea typeface="微软雅黑" charset="-122"/>
             </a:endParaRPr>
           </a:p>
         </p:txBody>
@@ -3882,7 +4420,7 @@
         </p:blipFill>
         <p:spPr>
           <a:xfrm>
-            <a:off x="867410" y="1572895"/>
+            <a:off x="783590" y="1955165"/>
             <a:ext cx="1301750" cy="2948305"/>
           </a:xfrm>
           <a:prstGeom prst="rect">
@@ -3913,14 +4451,14 @@
           <a:p>
             <a:r>
               <a:rPr lang="en-US" altLang="zh-CN" sz="6000">
-                <a:latin typeface="STHeiti Light" panose="02010600040101010101" charset="-122"/>
-                <a:ea typeface="STHeiti Light" panose="02010600040101010101" charset="-122"/>
+                <a:latin typeface="微软雅黑" charset="0"/>
+                <a:ea typeface="微软雅黑" charset="0"/>
               </a:rPr>
               <a:t>Thanks !</a:t>
             </a:r>
             <a:endParaRPr lang="en-US" altLang="zh-CN" sz="6000">
-              <a:latin typeface="STHeiti Light" panose="02010600040101010101" charset="-122"/>
-              <a:ea typeface="STHeiti Light" panose="02010600040101010101" charset="-122"/>
+              <a:latin typeface="微软雅黑" charset="0"/>
+              <a:ea typeface="微软雅黑" charset="0"/>
             </a:endParaRPr>
           </a:p>
         </p:txBody>
@@ -3997,7 +4535,7 @@
         </p:blipFill>
         <p:spPr>
           <a:xfrm>
-            <a:off x="867410" y="1572895"/>
+            <a:off x="825500" y="1955165"/>
             <a:ext cx="1301750" cy="2948305"/>
           </a:xfrm>
           <a:prstGeom prst="rect">
@@ -4013,7 +4551,7 @@
         </p:nvSpPr>
         <p:spPr>
           <a:xfrm>
-            <a:off x="2741295" y="3013710"/>
+            <a:off x="3414395" y="3013710"/>
             <a:ext cx="7061200" cy="829945"/>
           </a:xfrm>
           <a:prstGeom prst="rect">
@@ -4028,14 +4566,14 @@
           <a:p>
             <a:r>
               <a:rPr lang="zh-CN" altLang="en-US" sz="4800">
-                <a:latin typeface="STHeiti Light" panose="02010600040101010101" charset="-122"/>
-                <a:ea typeface="STHeiti Light" panose="02010600040101010101" charset="-122"/>
+                <a:latin typeface="微软雅黑" charset="0"/>
+                <a:ea typeface="微软雅黑" charset="0"/>
               </a:rPr>
               <a:t>内容提要与课程学习要求</a:t>
             </a:r>
             <a:endParaRPr lang="zh-CN" altLang="en-US" sz="4800">
-              <a:latin typeface="STHeiti Light" panose="02010600040101010101" charset="-122"/>
-              <a:ea typeface="STHeiti Light" panose="02010600040101010101" charset="-122"/>
+              <a:latin typeface="微软雅黑" charset="0"/>
+              <a:ea typeface="微软雅黑" charset="0"/>
             </a:endParaRPr>
           </a:p>
         </p:txBody>
@@ -4122,14 +4660,14 @@
       </p:pic>
       <p:sp>
         <p:nvSpPr>
-          <p:cNvPr id="5" name="文本框 4"/>
+          <p:cNvPr id="12" name="文本框 11"/>
           <p:cNvSpPr txBox="1"/>
           <p:nvPr/>
         </p:nvSpPr>
         <p:spPr>
           <a:xfrm>
-            <a:off x="2546350" y="1144905"/>
-            <a:ext cx="7394575" cy="829945"/>
+            <a:off x="3397885" y="2244725"/>
+            <a:ext cx="6988810" cy="1660525"/>
           </a:xfrm>
           <a:prstGeom prst="rect">
             <a:avLst/>
@@ -4141,121 +4679,82 @@
             <a:spAutoFit/>
           </a:bodyPr>
           <a:p>
-            <a:r>
-              <a:rPr lang="zh-CN" altLang="en-US" sz="4800">
-                <a:latin typeface="STHeiti Light" panose="02010600040101010101" charset="-122"/>
-                <a:ea typeface="STHeiti Light" panose="02010600040101010101" charset="-122"/>
+            <a:pPr marL="285750" indent="-285750">
+              <a:buFont typeface="Wingdings" panose="05000000000000000000" pitchFamily="2" charset="2"/>
+              <a:buChar char="u"/>
+            </a:pPr>
+            <a:r>
+              <a:rPr lang="en-US" sz="2400" b="1" dirty="0" smtClean="0">
+                <a:latin typeface="微软雅黑" charset="-122"/>
+                <a:ea typeface="微软雅黑" charset="-122"/>
+              </a:rPr>
+              <a:t> </a:t>
+            </a:r>
+            <a:r>
+              <a:rPr sz="2400" b="1" dirty="0" smtClean="0">
+                <a:latin typeface="微软雅黑" charset="-122"/>
+                <a:ea typeface="微软雅黑" charset="-122"/>
+                <a:sym typeface="+mn-ea"/>
               </a:rPr>
               <a:t>通过这门课可以学到什么？</a:t>
             </a:r>
-            <a:endParaRPr lang="zh-CN" altLang="en-US" sz="4800">
-              <a:latin typeface="STHeiti Light" panose="02010600040101010101" charset="-122"/>
-              <a:ea typeface="STHeiti Light" panose="02010600040101010101" charset="-122"/>
-            </a:endParaRPr>
-          </a:p>
-        </p:txBody>
-      </p:sp>
-      <p:sp>
-        <p:nvSpPr>
-          <p:cNvPr id="3" name="文本框 2"/>
-          <p:cNvSpPr txBox="1"/>
-          <p:nvPr/>
-        </p:nvSpPr>
-        <p:spPr>
-          <a:xfrm>
-            <a:off x="2684145" y="2452370"/>
-            <a:ext cx="7256780" cy="460375"/>
-          </a:xfrm>
-          <a:prstGeom prst="rect">
-            <a:avLst/>
-          </a:prstGeom>
-          <a:noFill/>
-        </p:spPr>
-        <p:txBody>
-          <a:bodyPr wrap="square" rtlCol="0">
-            <a:spAutoFit/>
-          </a:bodyPr>
-          <a:p>
-            <a:pPr algn="l"/>
-            <a:r>
-              <a:rPr lang="zh-CN" altLang="en-US" sz="2400">
-                <a:latin typeface="STHeiti Light" panose="02010600040101010101" charset="-122"/>
-                <a:ea typeface="STHeiti Light" panose="02010600040101010101" charset="-122"/>
-                <a:cs typeface="STHeiti Light" panose="02010600040101010101" charset="-122"/>
-              </a:rPr>
-              <a:t>学习使用</a:t>
-            </a:r>
-            <a:r>
-              <a:rPr lang="en-US" altLang="zh-CN" sz="2400">
-                <a:latin typeface="STHeiti Light" panose="02010600040101010101" charset="-122"/>
-                <a:ea typeface="STHeiti Light" panose="02010600040101010101" charset="-122"/>
-                <a:cs typeface="STHeiti Light" panose="02010600040101010101" charset="-122"/>
-              </a:rPr>
-              <a:t>Web</a:t>
-            </a:r>
-            <a:r>
-              <a:rPr lang="zh-CN" altLang="en-US" sz="2400">
-                <a:latin typeface="STHeiti Light" panose="02010600040101010101" charset="-122"/>
-                <a:ea typeface="STHeiti Light" panose="02010600040101010101" charset="-122"/>
-                <a:cs typeface="STHeiti Light" panose="02010600040101010101" charset="-122"/>
-              </a:rPr>
-              <a:t>GL以及</a:t>
-            </a:r>
-            <a:r>
-              <a:rPr lang="en-US" altLang="zh-CN" sz="2400">
-                <a:latin typeface="STHeiti Light" panose="02010600040101010101" charset="-122"/>
-                <a:ea typeface="STHeiti Light" panose="02010600040101010101" charset="-122"/>
-                <a:cs typeface="STHeiti Light" panose="02010600040101010101" charset="-122"/>
-              </a:rPr>
-              <a:t>Canvas</a:t>
-            </a:r>
-            <a:r>
-              <a:rPr lang="zh-CN" altLang="en-US" sz="2400">
-                <a:latin typeface="STHeiti Light" panose="02010600040101010101" charset="-122"/>
-                <a:ea typeface="STHeiti Light" panose="02010600040101010101" charset="-122"/>
-                <a:cs typeface="STHeiti Light" panose="02010600040101010101" charset="-122"/>
-              </a:rPr>
-              <a:t>在浏览器中绘制图形</a:t>
-            </a:r>
-            <a:endParaRPr lang="zh-CN" altLang="en-US" sz="2400">
-              <a:latin typeface="STHeiti Light" panose="02010600040101010101" charset="-122"/>
-              <a:ea typeface="STHeiti Light" panose="02010600040101010101" charset="-122"/>
-              <a:cs typeface="STHeiti Light" panose="02010600040101010101" charset="-122"/>
-            </a:endParaRPr>
-          </a:p>
-        </p:txBody>
-      </p:sp>
-      <p:sp>
-        <p:nvSpPr>
-          <p:cNvPr id="6" name="文本框 5"/>
-          <p:cNvSpPr txBox="1"/>
-          <p:nvPr/>
-        </p:nvSpPr>
-        <p:spPr>
-          <a:xfrm>
-            <a:off x="2684145" y="3199130"/>
-            <a:ext cx="6640830" cy="460375"/>
-          </a:xfrm>
-          <a:prstGeom prst="rect">
-            <a:avLst/>
-          </a:prstGeom>
-          <a:noFill/>
-        </p:spPr>
-        <p:txBody>
-          <a:bodyPr wrap="square" rtlCol="0">
-            <a:spAutoFit/>
-          </a:bodyPr>
-          <a:p>
-            <a:r>
-              <a:rPr lang="zh-CN" altLang="en-US" sz="2400">
-                <a:latin typeface="STHeiti Light" panose="02010600040101010101" charset="-122"/>
-                <a:ea typeface="STHeiti Light" panose="02010600040101010101" charset="-122"/>
+            <a:endParaRPr sz="2400" b="1" dirty="0" smtClean="0">
+              <a:latin typeface="微软雅黑" charset="-122"/>
+              <a:ea typeface="微软雅黑" charset="-122"/>
+              <a:sym typeface="+mn-ea"/>
+            </a:endParaRPr>
+          </a:p>
+          <a:p>
+            <a:pPr indent="0">
+              <a:buFont typeface="Wingdings" panose="05000000000000000000" pitchFamily="2" charset="2"/>
+              <a:buNone/>
+            </a:pPr>
+            <a:endParaRPr sz="2400" b="1" dirty="0" smtClean="0">
+              <a:latin typeface="微软雅黑" charset="-122"/>
+              <a:ea typeface="微软雅黑" charset="-122"/>
+            </a:endParaRPr>
+          </a:p>
+          <a:p>
+            <a:pPr marL="285750" indent="-285750">
+              <a:lnSpc>
+                <a:spcPct val="150000"/>
+              </a:lnSpc>
+              <a:buFont typeface="Wingdings" panose="05000000000000000000" pitchFamily="2" charset="2"/>
+              <a:buChar char="Ø"/>
+            </a:pPr>
+            <a:r>
+              <a:rPr lang="zh-CN" altLang="en-US" dirty="0" smtClean="0">
+                <a:latin typeface="微软雅黑" charset="-122"/>
+                <a:ea typeface="微软雅黑" charset="-122"/>
+                <a:sym typeface="+mn-ea"/>
+              </a:rPr>
+              <a:t>学习使用WebGL以及Canvas在浏览器中绘制图形</a:t>
+            </a:r>
+            <a:endParaRPr lang="zh-CN" altLang="en-US" dirty="0" smtClean="0">
+              <a:latin typeface="微软雅黑" charset="-122"/>
+              <a:ea typeface="微软雅黑" charset="-122"/>
+              <a:sym typeface="+mn-ea"/>
+            </a:endParaRPr>
+          </a:p>
+          <a:p>
+            <a:pPr marL="285750" indent="-285750">
+              <a:lnSpc>
+                <a:spcPct val="150000"/>
+              </a:lnSpc>
+              <a:buFont typeface="Wingdings" panose="05000000000000000000" pitchFamily="2" charset="2"/>
+              <a:buChar char="Ø"/>
+            </a:pPr>
+            <a:r>
+              <a:rPr lang="zh-CN" altLang="en-US" dirty="0" smtClean="0">
+                <a:latin typeface="微软雅黑" charset="-122"/>
+                <a:ea typeface="微软雅黑" charset="-122"/>
+                <a:sym typeface="+mn-ea"/>
               </a:rPr>
               <a:t>理解并掌握大量的图形概念与原理</a:t>
             </a:r>
-            <a:endParaRPr lang="zh-CN" altLang="en-US" sz="2400">
-              <a:latin typeface="STHeiti Light" panose="02010600040101010101" charset="-122"/>
-              <a:ea typeface="STHeiti Light" panose="02010600040101010101" charset="-122"/>
+            <a:endParaRPr lang="zh-CN" altLang="en-US" sz="1800" dirty="0" smtClean="0">
+              <a:latin typeface="微软雅黑" charset="-122"/>
+              <a:ea typeface="微软雅黑" charset="-122"/>
             </a:endParaRPr>
           </a:p>
         </p:txBody>
@@ -4342,14 +4841,14 @@
       </p:pic>
       <p:sp>
         <p:nvSpPr>
-          <p:cNvPr id="5" name="文本框 4"/>
+          <p:cNvPr id="12" name="文本框 11"/>
           <p:cNvSpPr txBox="1"/>
           <p:nvPr/>
         </p:nvSpPr>
         <p:spPr>
           <a:xfrm>
-            <a:off x="2546350" y="1043305"/>
-            <a:ext cx="7394575" cy="829945"/>
+            <a:off x="2828925" y="1572895"/>
+            <a:ext cx="4592955" cy="3522980"/>
           </a:xfrm>
           <a:prstGeom prst="rect">
             <a:avLst/>
@@ -4361,30 +4860,194 @@
             <a:spAutoFit/>
           </a:bodyPr>
           <a:p>
-            <a:r>
-              <a:rPr lang="zh-CN" altLang="en-US" sz="4800">
-                <a:latin typeface="STHeiti Light" panose="02010600040101010101" charset="-122"/>
-                <a:ea typeface="STHeiti Light" panose="02010600040101010101" charset="-122"/>
+            <a:pPr marL="285750" indent="-285750">
+              <a:buFont typeface="Wingdings" panose="05000000000000000000" pitchFamily="2" charset="2"/>
+              <a:buChar char="u"/>
+            </a:pPr>
+            <a:r>
+              <a:rPr lang="en-US" sz="2400" b="1" dirty="0" smtClean="0">
+                <a:latin typeface="微软雅黑" charset="-122"/>
+                <a:ea typeface="微软雅黑" charset="-122"/>
+              </a:rPr>
+              <a:t> </a:t>
+            </a:r>
+            <a:r>
+              <a:rPr sz="2400" b="1" dirty="0" smtClean="0">
+                <a:latin typeface="微软雅黑" charset="-122"/>
+                <a:ea typeface="微软雅黑" charset="-122"/>
               </a:rPr>
               <a:t>课程内容提要</a:t>
             </a:r>
-            <a:endParaRPr lang="zh-CN" altLang="en-US" sz="4800">
-              <a:latin typeface="STHeiti Light" panose="02010600040101010101" charset="-122"/>
-              <a:ea typeface="STHeiti Light" panose="02010600040101010101" charset="-122"/>
-            </a:endParaRPr>
-          </a:p>
-        </p:txBody>
-      </p:sp>
-      <p:sp>
-        <p:nvSpPr>
-          <p:cNvPr id="3" name="文本框 2"/>
+            <a:r>
+              <a:rPr lang="zh-CN" altLang="en-US" sz="2400" b="1" dirty="0" smtClean="0">
+                <a:latin typeface="微软雅黑" charset="-122"/>
+                <a:ea typeface="微软雅黑" charset="-122"/>
+              </a:rPr>
+              <a:t>：</a:t>
+            </a:r>
+            <a:endParaRPr lang="en-US" altLang="zh-CN" sz="1600" b="1" dirty="0" smtClean="0">
+              <a:latin typeface="微软雅黑" charset="-122"/>
+              <a:ea typeface="微软雅黑" charset="-122"/>
+            </a:endParaRPr>
+          </a:p>
+          <a:p>
+            <a:pPr marL="285750" indent="-285750">
+              <a:buFont typeface="Wingdings" panose="05000000000000000000" pitchFamily="2" charset="2"/>
+              <a:buChar char="u"/>
+            </a:pPr>
+            <a:endParaRPr lang="en-US" altLang="zh-CN" sz="1600" b="1" dirty="0">
+              <a:latin typeface="微软雅黑" charset="-122"/>
+              <a:ea typeface="微软雅黑" charset="-122"/>
+            </a:endParaRPr>
+          </a:p>
+          <a:p>
+            <a:pPr marL="285750" indent="-285750">
+              <a:lnSpc>
+                <a:spcPct val="150000"/>
+              </a:lnSpc>
+              <a:buFont typeface="Wingdings" panose="05000000000000000000" pitchFamily="2" charset="2"/>
+              <a:buChar char="Ø"/>
+            </a:pPr>
+            <a:r>
+              <a:rPr lang="zh-CN" altLang="en-US" dirty="0" smtClean="0">
+                <a:latin typeface="微软雅黑" charset="-122"/>
+                <a:ea typeface="微软雅黑" charset="-122"/>
+                <a:sym typeface="+mn-ea"/>
+              </a:rPr>
+              <a:t>图形与渲染简介</a:t>
+            </a:r>
+            <a:endParaRPr lang="zh-CN" altLang="en-US" dirty="0" smtClean="0">
+              <a:latin typeface="微软雅黑" charset="-122"/>
+              <a:ea typeface="微软雅黑" charset="-122"/>
+            </a:endParaRPr>
+          </a:p>
+          <a:p>
+            <a:pPr marL="285750" indent="-285750" algn="l">
+              <a:lnSpc>
+                <a:spcPct val="150000"/>
+              </a:lnSpc>
+              <a:buFont typeface="Wingdings" panose="05000000000000000000" pitchFamily="2" charset="2"/>
+              <a:buChar char="Ø"/>
+            </a:pPr>
+            <a:r>
+              <a:rPr lang="zh-CN" altLang="en-US" dirty="0" smtClean="0">
+                <a:latin typeface="微软雅黑" charset="-122"/>
+                <a:ea typeface="微软雅黑" charset="-122"/>
+                <a:sym typeface="+mn-ea"/>
+              </a:rPr>
+              <a:t>绘制三角形(canvas,WebGL,OpenGL) </a:t>
+            </a:r>
+            <a:endParaRPr lang="zh-CN" altLang="en-US" dirty="0" smtClean="0">
+              <a:latin typeface="微软雅黑" charset="-122"/>
+              <a:ea typeface="微软雅黑" charset="-122"/>
+              <a:sym typeface="+mn-ea"/>
+            </a:endParaRPr>
+          </a:p>
+          <a:p>
+            <a:pPr marL="285750" indent="-285750" algn="l">
+              <a:lnSpc>
+                <a:spcPct val="150000"/>
+              </a:lnSpc>
+              <a:buFont typeface="Wingdings" panose="05000000000000000000" pitchFamily="2" charset="2"/>
+              <a:buChar char="Ø"/>
+            </a:pPr>
+            <a:r>
+              <a:rPr lang="zh-CN" altLang="en-US" dirty="0" smtClean="0">
+                <a:latin typeface="微软雅黑" charset="-122"/>
+                <a:ea typeface="微软雅黑" charset="-122"/>
+              </a:rPr>
+              <a:t>渲染管线</a:t>
+            </a:r>
+            <a:endParaRPr lang="zh-CN" altLang="en-US" dirty="0" smtClean="0">
+              <a:latin typeface="微软雅黑" charset="-122"/>
+              <a:ea typeface="微软雅黑" charset="-122"/>
+            </a:endParaRPr>
+          </a:p>
+          <a:p>
+            <a:pPr marL="285750" indent="-285750" algn="l">
+              <a:lnSpc>
+                <a:spcPct val="150000"/>
+              </a:lnSpc>
+              <a:buFont typeface="Wingdings" panose="05000000000000000000" pitchFamily="2" charset="2"/>
+              <a:buChar char="Ø"/>
+            </a:pPr>
+            <a:r>
+              <a:rPr lang="zh-CN" altLang="en-US" dirty="0" smtClean="0">
+                <a:latin typeface="微软雅黑" charset="-122"/>
+                <a:ea typeface="微软雅黑" charset="-122"/>
+              </a:rPr>
+              <a:t>矩阵</a:t>
+            </a:r>
+            <a:endParaRPr lang="zh-CN" altLang="en-US" dirty="0" smtClean="0">
+              <a:latin typeface="微软雅黑" charset="-122"/>
+              <a:ea typeface="微软雅黑" charset="-122"/>
+            </a:endParaRPr>
+          </a:p>
+          <a:p>
+            <a:pPr marL="285750" indent="-285750" algn="l">
+              <a:lnSpc>
+                <a:spcPct val="150000"/>
+              </a:lnSpc>
+              <a:buFont typeface="Wingdings" panose="05000000000000000000" pitchFamily="2" charset="2"/>
+              <a:buChar char="Ø"/>
+            </a:pPr>
+            <a:r>
+              <a:rPr lang="zh-CN" altLang="en-US" dirty="0" smtClean="0">
+                <a:latin typeface="微软雅黑" charset="-122"/>
+                <a:ea typeface="微软雅黑" charset="-122"/>
+              </a:rPr>
+              <a:t>图形变换</a:t>
+            </a:r>
+            <a:endParaRPr lang="zh-CN" altLang="en-US" dirty="0" smtClean="0">
+              <a:latin typeface="微软雅黑" charset="-122"/>
+              <a:ea typeface="微软雅黑" charset="-122"/>
+            </a:endParaRPr>
+          </a:p>
+          <a:p>
+            <a:pPr marL="285750" indent="-285750" algn="l">
+              <a:lnSpc>
+                <a:spcPct val="150000"/>
+              </a:lnSpc>
+              <a:buFont typeface="Wingdings" panose="05000000000000000000" pitchFamily="2" charset="2"/>
+              <a:buChar char="Ø"/>
+            </a:pPr>
+            <a:r>
+              <a:rPr lang="zh-CN" altLang="en-US" dirty="0" smtClean="0">
+                <a:latin typeface="微软雅黑" charset="-122"/>
+                <a:ea typeface="微软雅黑" charset="-122"/>
+              </a:rPr>
+              <a:t>shader </a:t>
+            </a:r>
+            <a:endParaRPr lang="zh-CN" altLang="en-US" sz="1400" dirty="0" smtClean="0">
+              <a:latin typeface="微软雅黑" charset="-122"/>
+              <a:ea typeface="微软雅黑" charset="-122"/>
+            </a:endParaRPr>
+          </a:p>
+          <a:p>
+            <a:pPr marL="285750" indent="-285750" algn="l">
+              <a:lnSpc>
+                <a:spcPct val="150000"/>
+              </a:lnSpc>
+              <a:buFont typeface="Wingdings" panose="05000000000000000000" pitchFamily="2" charset="2"/>
+              <a:buChar char="Ø"/>
+            </a:pPr>
+            <a:endParaRPr lang="zh-CN" altLang="en-US" sz="1400" dirty="0" smtClean="0">
+              <a:latin typeface="微软雅黑" charset="-122"/>
+              <a:ea typeface="微软雅黑" charset="-122"/>
+            </a:endParaRPr>
+          </a:p>
+        </p:txBody>
+      </p:sp>
+      <p:sp>
+        <p:nvSpPr>
+          <p:cNvPr id="6" name="文本框 5"/>
           <p:cNvSpPr txBox="1"/>
           <p:nvPr/>
         </p:nvSpPr>
         <p:spPr>
           <a:xfrm>
-            <a:off x="2684145" y="1873250"/>
-            <a:ext cx="7256780" cy="4523105"/>
+            <a:off x="7790815" y="1934845"/>
+            <a:ext cx="3608070" cy="2799715"/>
           </a:xfrm>
           <a:prstGeom prst="rect">
             <a:avLst/>
@@ -4396,317 +5059,133 @@
             <a:spAutoFit/>
           </a:bodyPr>
           <a:p>
-            <a:pPr algn="l"/>
-            <a:r>
-              <a:rPr lang="zh-CN" sz="2400">
-                <a:latin typeface="STHeiti Light" panose="02010600040101010101" charset="-122"/>
-                <a:ea typeface="STHeiti Light" panose="02010600040101010101" charset="-122"/>
-                <a:cs typeface="STHeiti Light" panose="02010600040101010101" charset="-122"/>
-              </a:rPr>
-              <a:t>》</a:t>
-            </a:r>
-            <a:r>
-              <a:rPr sz="2400">
-                <a:latin typeface="STHeiti Light" panose="02010600040101010101" charset="-122"/>
-                <a:ea typeface="STHeiti Light" panose="02010600040101010101" charset="-122"/>
-                <a:cs typeface="STHeiti Light" panose="02010600040101010101" charset="-122"/>
-              </a:rPr>
-              <a:t>图形与渲染简介 </a:t>
-            </a:r>
-            <a:endParaRPr sz="2400">
-              <a:latin typeface="STHeiti Light" panose="02010600040101010101" charset="-122"/>
-              <a:ea typeface="STHeiti Light" panose="02010600040101010101" charset="-122"/>
-              <a:cs typeface="STHeiti Light" panose="02010600040101010101" charset="-122"/>
-            </a:endParaRPr>
-          </a:p>
-          <a:p>
-            <a:pPr algn="l"/>
-            <a:r>
-              <a:rPr lang="zh-CN" sz="2400">
-                <a:latin typeface="STHeiti Light" panose="02010600040101010101" charset="-122"/>
-                <a:ea typeface="STHeiti Light" panose="02010600040101010101" charset="-122"/>
-                <a:cs typeface="STHeiti Light" panose="02010600040101010101" charset="-122"/>
-              </a:rPr>
-              <a:t>》</a:t>
-            </a:r>
-            <a:r>
-              <a:rPr sz="2400">
-                <a:latin typeface="STHeiti Light" panose="02010600040101010101" charset="-122"/>
-                <a:ea typeface="STHeiti Light" panose="02010600040101010101" charset="-122"/>
-                <a:cs typeface="STHeiti Light" panose="02010600040101010101" charset="-122"/>
-              </a:rPr>
-              <a:t>绘制三角</a:t>
-            </a:r>
-            <a:r>
-              <a:rPr lang="zh-CN" sz="2400">
-                <a:latin typeface="STHeiti Light" panose="02010600040101010101" charset="-122"/>
-                <a:ea typeface="STHeiti Light" panose="02010600040101010101" charset="-122"/>
-                <a:cs typeface="STHeiti Light" panose="02010600040101010101" charset="-122"/>
-              </a:rPr>
-              <a:t>形</a:t>
-            </a:r>
-            <a:r>
-              <a:rPr sz="2400">
-                <a:latin typeface="STHeiti Light" panose="02010600040101010101" charset="-122"/>
-                <a:ea typeface="STHeiti Light" panose="02010600040101010101" charset="-122"/>
-                <a:cs typeface="STHeiti Light" panose="02010600040101010101" charset="-122"/>
-              </a:rPr>
-              <a:t>(canvas,WebGL,OpenGL) </a:t>
-            </a:r>
-            <a:endParaRPr sz="2400">
-              <a:latin typeface="STHeiti Light" panose="02010600040101010101" charset="-122"/>
-              <a:ea typeface="STHeiti Light" panose="02010600040101010101" charset="-122"/>
-              <a:cs typeface="STHeiti Light" panose="02010600040101010101" charset="-122"/>
-            </a:endParaRPr>
-          </a:p>
-          <a:p>
-            <a:pPr algn="l"/>
-            <a:r>
-              <a:rPr lang="zh-CN" sz="2400">
-                <a:latin typeface="STHeiti Light" panose="02010600040101010101" charset="-122"/>
-                <a:ea typeface="STHeiti Light" panose="02010600040101010101" charset="-122"/>
-                <a:cs typeface="STHeiti Light" panose="02010600040101010101" charset="-122"/>
-                <a:sym typeface="+mn-ea"/>
-              </a:rPr>
-              <a:t>》</a:t>
-            </a:r>
-            <a:r>
-              <a:rPr sz="2400">
-                <a:latin typeface="STHeiti Light" panose="02010600040101010101" charset="-122"/>
-                <a:ea typeface="STHeiti Light" panose="02010600040101010101" charset="-122"/>
-                <a:cs typeface="STHeiti Light" panose="02010600040101010101" charset="-122"/>
-              </a:rPr>
-              <a:t> 渲染管线 </a:t>
-            </a:r>
-            <a:endParaRPr sz="2400">
-              <a:latin typeface="STHeiti Light" panose="02010600040101010101" charset="-122"/>
-              <a:ea typeface="STHeiti Light" panose="02010600040101010101" charset="-122"/>
-              <a:cs typeface="STHeiti Light" panose="02010600040101010101" charset="-122"/>
-            </a:endParaRPr>
-          </a:p>
-          <a:p>
-            <a:pPr algn="l"/>
-            <a:r>
-              <a:rPr lang="zh-CN" sz="2400">
-                <a:latin typeface="STHeiti Light" panose="02010600040101010101" charset="-122"/>
-                <a:ea typeface="STHeiti Light" panose="02010600040101010101" charset="-122"/>
-                <a:cs typeface="STHeiti Light" panose="02010600040101010101" charset="-122"/>
-                <a:sym typeface="+mn-ea"/>
-              </a:rPr>
-              <a:t>》</a:t>
-            </a:r>
-            <a:r>
-              <a:rPr sz="2400">
-                <a:latin typeface="STHeiti Light" panose="02010600040101010101" charset="-122"/>
-                <a:ea typeface="STHeiti Light" panose="02010600040101010101" charset="-122"/>
-                <a:cs typeface="STHeiti Light" panose="02010600040101010101" charset="-122"/>
-              </a:rPr>
-              <a:t>矩阵 </a:t>
-            </a:r>
-            <a:endParaRPr sz="2400">
-              <a:latin typeface="STHeiti Light" panose="02010600040101010101" charset="-122"/>
-              <a:ea typeface="STHeiti Light" panose="02010600040101010101" charset="-122"/>
-              <a:cs typeface="STHeiti Light" panose="02010600040101010101" charset="-122"/>
-            </a:endParaRPr>
-          </a:p>
-          <a:p>
-            <a:pPr algn="l"/>
-            <a:r>
-              <a:rPr lang="zh-CN" sz="2400">
-                <a:latin typeface="STHeiti Light" panose="02010600040101010101" charset="-122"/>
-                <a:ea typeface="STHeiti Light" panose="02010600040101010101" charset="-122"/>
-                <a:cs typeface="STHeiti Light" panose="02010600040101010101" charset="-122"/>
-                <a:sym typeface="+mn-ea"/>
-              </a:rPr>
-              <a:t>》</a:t>
-            </a:r>
-            <a:r>
-              <a:rPr sz="2400">
-                <a:latin typeface="STHeiti Light" panose="02010600040101010101" charset="-122"/>
-                <a:ea typeface="STHeiti Light" panose="02010600040101010101" charset="-122"/>
-                <a:cs typeface="STHeiti Light" panose="02010600040101010101" charset="-122"/>
-              </a:rPr>
-              <a:t>图形变换 </a:t>
-            </a:r>
-            <a:endParaRPr sz="2400">
-              <a:latin typeface="STHeiti Light" panose="02010600040101010101" charset="-122"/>
-              <a:ea typeface="STHeiti Light" panose="02010600040101010101" charset="-122"/>
-              <a:cs typeface="STHeiti Light" panose="02010600040101010101" charset="-122"/>
-            </a:endParaRPr>
-          </a:p>
-          <a:p>
-            <a:pPr algn="l"/>
-            <a:r>
-              <a:rPr lang="zh-CN" sz="2400">
-                <a:latin typeface="STHeiti Light" panose="02010600040101010101" charset="-122"/>
-                <a:ea typeface="STHeiti Light" panose="02010600040101010101" charset="-122"/>
-                <a:cs typeface="STHeiti Light" panose="02010600040101010101" charset="-122"/>
-                <a:sym typeface="+mn-ea"/>
-              </a:rPr>
-              <a:t>》</a:t>
-            </a:r>
-            <a:r>
-              <a:rPr sz="2400">
-                <a:latin typeface="STHeiti Light" panose="02010600040101010101" charset="-122"/>
-                <a:ea typeface="STHeiti Light" panose="02010600040101010101" charset="-122"/>
-                <a:cs typeface="STHeiti Light" panose="02010600040101010101" charset="-122"/>
-              </a:rPr>
-              <a:t>shader </a:t>
-            </a:r>
-            <a:endParaRPr sz="2400">
-              <a:latin typeface="STHeiti Light" panose="02010600040101010101" charset="-122"/>
-              <a:ea typeface="STHeiti Light" panose="02010600040101010101" charset="-122"/>
-              <a:cs typeface="STHeiti Light" panose="02010600040101010101" charset="-122"/>
-            </a:endParaRPr>
-          </a:p>
-          <a:p>
-            <a:pPr algn="l"/>
-            <a:r>
-              <a:rPr lang="zh-CN" sz="2400">
-                <a:latin typeface="STHeiti Light" panose="02010600040101010101" charset="-122"/>
-                <a:ea typeface="STHeiti Light" panose="02010600040101010101" charset="-122"/>
-                <a:cs typeface="STHeiti Light" panose="02010600040101010101" charset="-122"/>
-                <a:sym typeface="+mn-ea"/>
-              </a:rPr>
-              <a:t>》</a:t>
-            </a:r>
-            <a:r>
-              <a:rPr sz="2400">
-                <a:latin typeface="STHeiti Light" panose="02010600040101010101" charset="-122"/>
-                <a:ea typeface="STHeiti Light" panose="02010600040101010101" charset="-122"/>
-                <a:cs typeface="STHeiti Light" panose="02010600040101010101" charset="-122"/>
-              </a:rPr>
-              <a:t>滤镜 </a:t>
-            </a:r>
-            <a:endParaRPr sz="2400">
-              <a:latin typeface="STHeiti Light" panose="02010600040101010101" charset="-122"/>
-              <a:ea typeface="STHeiti Light" panose="02010600040101010101" charset="-122"/>
-              <a:cs typeface="STHeiti Light" panose="02010600040101010101" charset="-122"/>
-            </a:endParaRPr>
-          </a:p>
-          <a:p>
-            <a:pPr algn="l"/>
-            <a:r>
-              <a:rPr lang="zh-CN" sz="2400">
-                <a:latin typeface="STHeiti Light" panose="02010600040101010101" charset="-122"/>
-                <a:ea typeface="STHeiti Light" panose="02010600040101010101" charset="-122"/>
-                <a:cs typeface="STHeiti Light" panose="02010600040101010101" charset="-122"/>
-                <a:sym typeface="+mn-ea"/>
-              </a:rPr>
-              <a:t>》</a:t>
-            </a:r>
-            <a:r>
-              <a:rPr sz="2400">
-                <a:latin typeface="STHeiti Light" panose="02010600040101010101" charset="-122"/>
-                <a:ea typeface="STHeiti Light" panose="02010600040101010101" charset="-122"/>
-                <a:cs typeface="STHeiti Light" panose="02010600040101010101" charset="-122"/>
-              </a:rPr>
-              <a:t>纹理(文本渲染) </a:t>
-            </a:r>
-            <a:endParaRPr sz="2400">
-              <a:latin typeface="STHeiti Light" panose="02010600040101010101" charset="-122"/>
-              <a:ea typeface="STHeiti Light" panose="02010600040101010101" charset="-122"/>
-              <a:cs typeface="STHeiti Light" panose="02010600040101010101" charset="-122"/>
-            </a:endParaRPr>
-          </a:p>
-          <a:p>
-            <a:pPr algn="l"/>
-            <a:r>
-              <a:rPr lang="zh-CN" sz="2400">
-                <a:latin typeface="STHeiti Light" panose="02010600040101010101" charset="-122"/>
-                <a:ea typeface="STHeiti Light" panose="02010600040101010101" charset="-122"/>
-                <a:cs typeface="STHeiti Light" panose="02010600040101010101" charset="-122"/>
-                <a:sym typeface="+mn-ea"/>
-              </a:rPr>
-              <a:t>》</a:t>
-            </a:r>
-            <a:r>
-              <a:rPr sz="2400">
-                <a:latin typeface="STHeiti Light" panose="02010600040101010101" charset="-122"/>
-                <a:ea typeface="STHeiti Light" panose="02010600040101010101" charset="-122"/>
-                <a:cs typeface="STHeiti Light" panose="02010600040101010101" charset="-122"/>
-              </a:rPr>
-              <a:t>3D </a:t>
-            </a:r>
-            <a:endParaRPr sz="2400">
-              <a:latin typeface="STHeiti Light" panose="02010600040101010101" charset="-122"/>
-              <a:ea typeface="STHeiti Light" panose="02010600040101010101" charset="-122"/>
-              <a:cs typeface="STHeiti Light" panose="02010600040101010101" charset="-122"/>
-            </a:endParaRPr>
-          </a:p>
-          <a:p>
-            <a:pPr algn="l"/>
-            <a:r>
-              <a:rPr lang="zh-CN" sz="2400">
-                <a:latin typeface="STHeiti Light" panose="02010600040101010101" charset="-122"/>
-                <a:ea typeface="STHeiti Light" panose="02010600040101010101" charset="-122"/>
-                <a:cs typeface="STHeiti Light" panose="02010600040101010101" charset="-122"/>
-                <a:sym typeface="+mn-ea"/>
-              </a:rPr>
-              <a:t>》</a:t>
-            </a:r>
-            <a:r>
-              <a:rPr sz="2400">
-                <a:latin typeface="STHeiti Light" panose="02010600040101010101" charset="-122"/>
-                <a:ea typeface="STHeiti Light" panose="02010600040101010101" charset="-122"/>
-                <a:cs typeface="STHeiti Light" panose="02010600040101010101" charset="-122"/>
+            <a:pPr indent="0">
+              <a:buFont typeface="Wingdings" panose="05000000000000000000" pitchFamily="2" charset="2"/>
+              <a:buNone/>
+            </a:pPr>
+            <a:endParaRPr lang="zh-CN" altLang="en-US" sz="1400" dirty="0" smtClean="0">
+              <a:latin typeface="微软雅黑" charset="-122"/>
+              <a:ea typeface="微软雅黑" charset="-122"/>
+            </a:endParaRPr>
+          </a:p>
+          <a:p>
+            <a:pPr marL="285750" indent="-285750" algn="l">
+              <a:lnSpc>
+                <a:spcPct val="150000"/>
+              </a:lnSpc>
+              <a:buFont typeface="Wingdings" panose="05000000000000000000" pitchFamily="2" charset="2"/>
+              <a:buChar char="Ø"/>
+            </a:pPr>
+            <a:r>
+              <a:rPr lang="zh-CN" altLang="en-US" dirty="0" smtClean="0">
+                <a:latin typeface="微软雅黑" charset="-122"/>
+                <a:ea typeface="微软雅黑" charset="-122"/>
+              </a:rPr>
+              <a:t>滤镜</a:t>
+            </a:r>
+            <a:endParaRPr lang="zh-CN" altLang="en-US" dirty="0" smtClean="0">
+              <a:latin typeface="微软雅黑" charset="-122"/>
+              <a:ea typeface="微软雅黑" charset="-122"/>
+            </a:endParaRPr>
+          </a:p>
+          <a:p>
+            <a:pPr marL="285750" indent="-285750" algn="l">
+              <a:lnSpc>
+                <a:spcPct val="150000"/>
+              </a:lnSpc>
+              <a:buFont typeface="Wingdings" panose="05000000000000000000" pitchFamily="2" charset="2"/>
+              <a:buChar char="Ø"/>
+            </a:pPr>
+            <a:r>
+              <a:rPr lang="zh-CN" altLang="en-US" dirty="0" smtClean="0">
+                <a:latin typeface="微软雅黑" charset="-122"/>
+                <a:ea typeface="微软雅黑" charset="-122"/>
+              </a:rPr>
+              <a:t>纹理(文本渲染</a:t>
+            </a:r>
+            <a:endParaRPr lang="zh-CN" altLang="en-US" dirty="0" smtClean="0">
+              <a:latin typeface="微软雅黑" charset="-122"/>
+              <a:ea typeface="微软雅黑" charset="-122"/>
+            </a:endParaRPr>
+          </a:p>
+          <a:p>
+            <a:pPr marL="285750" indent="-285750" algn="l">
+              <a:lnSpc>
+                <a:spcPct val="150000"/>
+              </a:lnSpc>
+              <a:buFont typeface="Wingdings" panose="05000000000000000000" pitchFamily="2" charset="2"/>
+              <a:buChar char="Ø"/>
+            </a:pPr>
+            <a:r>
+              <a:rPr lang="zh-CN" altLang="en-US" dirty="0" smtClean="0">
+                <a:latin typeface="微软雅黑" charset="-122"/>
+                <a:ea typeface="微软雅黑" charset="-122"/>
+              </a:rPr>
+              <a:t>3D</a:t>
+            </a:r>
+            <a:endParaRPr lang="zh-CN" altLang="en-US" dirty="0" smtClean="0">
+              <a:latin typeface="微软雅黑" charset="-122"/>
+              <a:ea typeface="微软雅黑" charset="-122"/>
+            </a:endParaRPr>
+          </a:p>
+          <a:p>
+            <a:pPr marL="285750" indent="-285750" algn="l">
+              <a:lnSpc>
+                <a:spcPct val="150000"/>
+              </a:lnSpc>
+              <a:buFont typeface="Wingdings" panose="05000000000000000000" pitchFamily="2" charset="2"/>
+              <a:buChar char="Ø"/>
+            </a:pPr>
+            <a:r>
+              <a:rPr lang="zh-CN" altLang="en-US" dirty="0" smtClean="0">
+                <a:latin typeface="微软雅黑" charset="-122"/>
+                <a:ea typeface="微软雅黑" charset="-122"/>
               </a:rPr>
               <a:t>事件系统 </a:t>
             </a:r>
-            <a:endParaRPr sz="2400">
-              <a:latin typeface="STHeiti Light" panose="02010600040101010101" charset="-122"/>
-              <a:ea typeface="STHeiti Light" panose="02010600040101010101" charset="-122"/>
-              <a:cs typeface="STHeiti Light" panose="02010600040101010101" charset="-122"/>
-            </a:endParaRPr>
-          </a:p>
-          <a:p>
-            <a:pPr algn="l"/>
-            <a:r>
-              <a:rPr lang="zh-CN" sz="2400">
-                <a:latin typeface="STHeiti Light" panose="02010600040101010101" charset="-122"/>
-                <a:ea typeface="STHeiti Light" panose="02010600040101010101" charset="-122"/>
-                <a:cs typeface="STHeiti Light" panose="02010600040101010101" charset="-122"/>
-                <a:sym typeface="+mn-ea"/>
-              </a:rPr>
-              <a:t>》</a:t>
-            </a:r>
-            <a:r>
-              <a:rPr sz="2400">
-                <a:latin typeface="STHeiti Light" panose="02010600040101010101" charset="-122"/>
-                <a:ea typeface="STHeiti Light" panose="02010600040101010101" charset="-122"/>
-                <a:cs typeface="STHeiti Light" panose="02010600040101010101" charset="-122"/>
+            <a:endParaRPr lang="zh-CN" altLang="en-US" dirty="0" smtClean="0">
+              <a:latin typeface="微软雅黑" charset="-122"/>
+              <a:ea typeface="微软雅黑" charset="-122"/>
+            </a:endParaRPr>
+          </a:p>
+          <a:p>
+            <a:pPr marL="285750" indent="-285750" algn="l">
+              <a:lnSpc>
+                <a:spcPct val="150000"/>
+              </a:lnSpc>
+              <a:buFont typeface="Wingdings" panose="05000000000000000000" pitchFamily="2" charset="2"/>
+              <a:buChar char="Ø"/>
+            </a:pPr>
+            <a:r>
+              <a:rPr lang="zh-CN" altLang="en-US" dirty="0" smtClean="0">
+                <a:latin typeface="微软雅黑" charset="-122"/>
+                <a:ea typeface="微软雅黑" charset="-122"/>
               </a:rPr>
               <a:t>光照 </a:t>
             </a:r>
-            <a:endParaRPr sz="2400">
-              <a:latin typeface="STHeiti Light" panose="02010600040101010101" charset="-122"/>
-              <a:ea typeface="STHeiti Light" panose="02010600040101010101" charset="-122"/>
-              <a:cs typeface="STHeiti Light" panose="02010600040101010101" charset="-122"/>
-            </a:endParaRPr>
-          </a:p>
-          <a:p>
-            <a:pPr algn="l"/>
-            <a:r>
-              <a:rPr lang="zh-CN" sz="2400">
-                <a:latin typeface="STHeiti Light" panose="02010600040101010101" charset="-122"/>
-                <a:ea typeface="STHeiti Light" panose="02010600040101010101" charset="-122"/>
-                <a:cs typeface="STHeiti Light" panose="02010600040101010101" charset="-122"/>
-                <a:sym typeface="+mn-ea"/>
-              </a:rPr>
-              <a:t>》</a:t>
-            </a:r>
-            <a:r>
-              <a:rPr sz="2400">
-                <a:latin typeface="STHeiti Light" panose="02010600040101010101" charset="-122"/>
-                <a:ea typeface="STHeiti Light" panose="02010600040101010101" charset="-122"/>
-                <a:cs typeface="STHeiti Light" panose="02010600040101010101" charset="-122"/>
+            <a:endParaRPr lang="zh-CN" altLang="en-US" dirty="0" smtClean="0">
+              <a:latin typeface="微软雅黑" charset="-122"/>
+              <a:ea typeface="微软雅黑" charset="-122"/>
+            </a:endParaRPr>
+          </a:p>
+          <a:p>
+            <a:pPr marL="285750" indent="-285750" algn="l">
+              <a:lnSpc>
+                <a:spcPct val="150000"/>
+              </a:lnSpc>
+              <a:buFont typeface="Wingdings" panose="05000000000000000000" pitchFamily="2" charset="2"/>
+              <a:buChar char="Ø"/>
+            </a:pPr>
+            <a:r>
+              <a:rPr lang="zh-CN" altLang="en-US" dirty="0" smtClean="0">
+                <a:latin typeface="微软雅黑" charset="-122"/>
+                <a:ea typeface="微软雅黑" charset="-122"/>
               </a:rPr>
               <a:t>阴影</a:t>
             </a:r>
-            <a:endParaRPr sz="2400">
-              <a:latin typeface="STHeiti Light" panose="02010600040101010101" charset="-122"/>
-              <a:ea typeface="STHeiti Light" panose="02010600040101010101" charset="-122"/>
-              <a:cs typeface="STHeiti Light" panose="02010600040101010101" charset="-122"/>
+            <a:endParaRPr lang="zh-CN" altLang="en-US" sz="1400" dirty="0" smtClean="0">
+              <a:latin typeface="微软雅黑" charset="-122"/>
+              <a:ea typeface="微软雅黑" charset="-122"/>
             </a:endParaRPr>
           </a:p>
         </p:txBody>
@@ -4783,7 +5262,7 @@
         </p:blipFill>
         <p:spPr>
           <a:xfrm>
-            <a:off x="867410" y="1572895"/>
+            <a:off x="846455" y="1824990"/>
             <a:ext cx="1301750" cy="2948305"/>
           </a:xfrm>
           <a:prstGeom prst="rect">
@@ -4793,14 +5272,14 @@
       </p:pic>
       <p:sp>
         <p:nvSpPr>
-          <p:cNvPr id="5" name="文本框 4"/>
+          <p:cNvPr id="12" name="文本框 11"/>
           <p:cNvSpPr txBox="1"/>
           <p:nvPr/>
         </p:nvSpPr>
         <p:spPr>
           <a:xfrm>
-            <a:off x="2546350" y="1043305"/>
-            <a:ext cx="7394575" cy="829945"/>
+            <a:off x="3397885" y="2244725"/>
+            <a:ext cx="6988810" cy="1953260"/>
           </a:xfrm>
           <a:prstGeom prst="rect">
             <a:avLst/>
@@ -4812,118 +5291,109 @@
             <a:spAutoFit/>
           </a:bodyPr>
           <a:p>
-            <a:r>
-              <a:rPr lang="zh-CN" altLang="en-US" sz="4800">
-                <a:latin typeface="STHeiti Light" panose="02010600040101010101" charset="-122"/>
-                <a:ea typeface="STHeiti Light" panose="02010600040101010101" charset="-122"/>
-              </a:rPr>
-              <a:t>学习了这门课有什么用？</a:t>
-            </a:r>
-            <a:endParaRPr lang="zh-CN" altLang="en-US" sz="4800">
-              <a:latin typeface="STHeiti Light" panose="02010600040101010101" charset="-122"/>
-              <a:ea typeface="STHeiti Light" panose="02010600040101010101" charset="-122"/>
-            </a:endParaRPr>
-          </a:p>
-        </p:txBody>
-      </p:sp>
-      <p:sp>
-        <p:nvSpPr>
-          <p:cNvPr id="3" name="文本框 2"/>
-          <p:cNvSpPr txBox="1"/>
-          <p:nvPr/>
-        </p:nvSpPr>
-        <p:spPr>
-          <a:xfrm>
-            <a:off x="2698750" y="2381250"/>
-            <a:ext cx="8554085" cy="2306955"/>
-          </a:xfrm>
-          <a:prstGeom prst="rect">
-            <a:avLst/>
-          </a:prstGeom>
-          <a:noFill/>
-        </p:spPr>
-        <p:txBody>
-          <a:bodyPr wrap="square" rtlCol="0">
-            <a:spAutoFit/>
-          </a:bodyPr>
-          <a:p>
-            <a:pPr algn="l"/>
-            <a:r>
-              <a:rPr lang="zh-CN" sz="2400">
-                <a:latin typeface="STHeiti Light" panose="02010600040101010101" charset="-122"/>
-                <a:ea typeface="STHeiti Light" panose="02010600040101010101" charset="-122"/>
-                <a:cs typeface="STHeiti Light" panose="02010600040101010101" charset="-122"/>
-              </a:rPr>
-              <a:t>》解决大家目前业务中有关图形和渲染有关的业务问题</a:t>
-            </a:r>
-            <a:endParaRPr lang="zh-CN" sz="2400">
-              <a:latin typeface="STHeiti Light" panose="02010600040101010101" charset="-122"/>
-              <a:ea typeface="STHeiti Light" panose="02010600040101010101" charset="-122"/>
-              <a:cs typeface="STHeiti Light" panose="02010600040101010101" charset="-122"/>
-            </a:endParaRPr>
-          </a:p>
-          <a:p>
-            <a:pPr algn="l"/>
-            <a:endParaRPr lang="zh-CN" sz="2400">
-              <a:latin typeface="STHeiti Light" panose="02010600040101010101" charset="-122"/>
-              <a:ea typeface="STHeiti Light" panose="02010600040101010101" charset="-122"/>
-              <a:cs typeface="STHeiti Light" panose="02010600040101010101" charset="-122"/>
-            </a:endParaRPr>
-          </a:p>
-          <a:p>
-            <a:pPr algn="l"/>
-            <a:r>
-              <a:rPr lang="zh-CN" sz="2400">
-                <a:latin typeface="STHeiti Light" panose="02010600040101010101" charset="-122"/>
-                <a:ea typeface="STHeiti Light" panose="02010600040101010101" charset="-122"/>
-                <a:cs typeface="STHeiti Light" panose="02010600040101010101" charset="-122"/>
-              </a:rPr>
-              <a:t>》</a:t>
-            </a:r>
-            <a:r>
-              <a:rPr sz="2400">
-                <a:latin typeface="STHeiti Light" panose="02010600040101010101" charset="-122"/>
-                <a:ea typeface="STHeiti Light" panose="02010600040101010101" charset="-122"/>
-                <a:cs typeface="STHeiti Light" panose="02010600040101010101" charset="-122"/>
-              </a:rPr>
-              <a:t>掌握了图形及其相关概念、原理，在图形技术领域才可能看的更透、走的更远</a:t>
-            </a:r>
-            <a:endParaRPr sz="2400">
-              <a:latin typeface="STHeiti Light" panose="02010600040101010101" charset="-122"/>
-              <a:ea typeface="STHeiti Light" panose="02010600040101010101" charset="-122"/>
-              <a:cs typeface="STHeiti Light" panose="02010600040101010101" charset="-122"/>
-            </a:endParaRPr>
-          </a:p>
-          <a:p>
-            <a:pPr algn="l"/>
-            <a:endParaRPr sz="2400">
-              <a:latin typeface="STHeiti Light" panose="02010600040101010101" charset="-122"/>
-              <a:ea typeface="STHeiti Light" panose="02010600040101010101" charset="-122"/>
-              <a:cs typeface="STHeiti Light" panose="02010600040101010101" charset="-122"/>
-            </a:endParaRPr>
-          </a:p>
-          <a:p>
-            <a:pPr algn="l"/>
-            <a:r>
-              <a:rPr lang="zh-CN" sz="2400">
-                <a:latin typeface="STHeiti Light" panose="02010600040101010101" charset="-122"/>
-                <a:ea typeface="STHeiti Light" panose="02010600040101010101" charset="-122"/>
-                <a:cs typeface="STHeiti Light" panose="02010600040101010101" charset="-122"/>
-              </a:rPr>
-              <a:t>》</a:t>
-            </a:r>
-            <a:r>
-              <a:rPr sz="2400">
-                <a:latin typeface="STHeiti Light" panose="02010600040101010101" charset="-122"/>
-                <a:ea typeface="STHeiti Light" panose="02010600040101010101" charset="-122"/>
-                <a:cs typeface="STHeiti Light" panose="02010600040101010101" charset="-122"/>
+            <a:pPr marL="285750" indent="-285750">
+              <a:buFont typeface="Wingdings" panose="05000000000000000000" pitchFamily="2" charset="2"/>
+              <a:buChar char="u"/>
+            </a:pPr>
+            <a:r>
+              <a:rPr lang="en-US" sz="2400" b="1" dirty="0" smtClean="0">
+                <a:latin typeface="微软雅黑" charset="-122"/>
+                <a:ea typeface="微软雅黑" charset="-122"/>
+              </a:rPr>
+              <a:t> </a:t>
+            </a:r>
+            <a:r>
+              <a:rPr sz="2400" b="1" dirty="0" smtClean="0">
+                <a:latin typeface="微软雅黑" charset="-122"/>
+                <a:ea typeface="微软雅黑" charset="-122"/>
+              </a:rPr>
+              <a:t>学习了这门课有什么用</a:t>
+            </a:r>
+            <a:r>
+              <a:rPr lang="zh-CN" sz="2400" b="1" dirty="0" smtClean="0">
+                <a:latin typeface="微软雅黑" charset="-122"/>
+                <a:ea typeface="微软雅黑" charset="-122"/>
+              </a:rPr>
+              <a:t>？</a:t>
+            </a:r>
+            <a:endParaRPr sz="2400" b="1" dirty="0" smtClean="0">
+              <a:latin typeface="微软雅黑" charset="-122"/>
+              <a:ea typeface="微软雅黑" charset="-122"/>
+            </a:endParaRPr>
+          </a:p>
+          <a:p>
+            <a:pPr marL="285750" indent="-285750">
+              <a:buFont typeface="Wingdings" panose="05000000000000000000" pitchFamily="2" charset="2"/>
+              <a:buChar char="u"/>
+            </a:pPr>
+            <a:endParaRPr lang="en-US" altLang="zh-CN" sz="1600" b="1" dirty="0">
+              <a:latin typeface="微软雅黑" charset="-122"/>
+              <a:ea typeface="微软雅黑" charset="-122"/>
+            </a:endParaRPr>
+          </a:p>
+          <a:p>
+            <a:pPr marL="285750" indent="-285750">
+              <a:lnSpc>
+                <a:spcPct val="150000"/>
+              </a:lnSpc>
+              <a:buFont typeface="Wingdings" panose="05000000000000000000" pitchFamily="2" charset="2"/>
+              <a:buChar char="Ø"/>
+            </a:pPr>
+            <a:r>
+              <a:rPr lang="zh-CN" altLang="en-US" dirty="0" smtClean="0">
+                <a:latin typeface="微软雅黑" charset="-122"/>
+                <a:ea typeface="微软雅黑" charset="-122"/>
+                <a:sym typeface="+mn-ea"/>
+              </a:rPr>
+              <a:t>解决大家目前业务中有关图形和渲染有关的业务问题</a:t>
+            </a:r>
+            <a:endParaRPr lang="zh-CN" altLang="en-US" dirty="0" smtClean="0">
+              <a:latin typeface="微软雅黑" charset="-122"/>
+              <a:ea typeface="微软雅黑" charset="-122"/>
+              <a:sym typeface="+mn-ea"/>
+            </a:endParaRPr>
+          </a:p>
+          <a:p>
+            <a:pPr marL="285750" indent="-285750">
+              <a:lnSpc>
+                <a:spcPct val="150000"/>
+              </a:lnSpc>
+              <a:buFont typeface="Wingdings" panose="05000000000000000000" pitchFamily="2" charset="2"/>
+              <a:buChar char="Ø"/>
+            </a:pPr>
+            <a:r>
+              <a:rPr lang="zh-CN" altLang="en-US" dirty="0" smtClean="0">
+                <a:latin typeface="微软雅黑" charset="-122"/>
+                <a:ea typeface="微软雅黑" charset="-122"/>
+                <a:sym typeface="+mn-ea"/>
+              </a:rPr>
+              <a:t>提升自己的能力，在有关图形的新项目中成为主力</a:t>
+            </a:r>
+            <a:endParaRPr lang="zh-CN" altLang="en-US" dirty="0" smtClean="0">
+              <a:latin typeface="微软雅黑" charset="-122"/>
+              <a:ea typeface="微软雅黑" charset="-122"/>
+              <a:sym typeface="+mn-ea"/>
+            </a:endParaRPr>
+          </a:p>
+          <a:p>
+            <a:pPr marL="285750" indent="-285750">
+              <a:lnSpc>
+                <a:spcPct val="150000"/>
+              </a:lnSpc>
+              <a:buFont typeface="Wingdings" panose="05000000000000000000" pitchFamily="2" charset="2"/>
+              <a:buChar char="Ø"/>
+            </a:pPr>
+            <a:r>
+              <a:rPr lang="zh-CN" altLang="en-US" dirty="0" smtClean="0">
+                <a:latin typeface="微软雅黑" charset="-122"/>
+                <a:ea typeface="微软雅黑" charset="-122"/>
+                <a:sym typeface="+mn-ea"/>
               </a:rPr>
               <a:t>有门槛，所以有竞争力</a:t>
             </a:r>
-            <a:endParaRPr sz="2400">
-              <a:latin typeface="STHeiti Light" panose="02010600040101010101" charset="-122"/>
-              <a:ea typeface="STHeiti Light" panose="02010600040101010101" charset="-122"/>
-              <a:cs typeface="STHeiti Light" panose="02010600040101010101" charset="-122"/>
+            <a:endParaRPr lang="zh-CN" altLang="en-US" sz="1400" dirty="0" smtClean="0">
+              <a:latin typeface="微软雅黑" charset="-122"/>
+              <a:ea typeface="微软雅黑" charset="-122"/>
             </a:endParaRPr>
           </a:p>
         </p:txBody>
@@ -5000,7 +5470,7 @@
         </p:blipFill>
         <p:spPr>
           <a:xfrm>
-            <a:off x="867410" y="1572895"/>
+            <a:off x="867410" y="1954530"/>
             <a:ext cx="1301750" cy="2948305"/>
           </a:xfrm>
           <a:prstGeom prst="rect">
@@ -5010,14 +5480,14 @@
       </p:pic>
       <p:sp>
         <p:nvSpPr>
-          <p:cNvPr id="5" name="文本框 4"/>
+          <p:cNvPr id="12" name="文本框 11"/>
           <p:cNvSpPr txBox="1"/>
           <p:nvPr/>
         </p:nvSpPr>
         <p:spPr>
           <a:xfrm>
-            <a:off x="2641600" y="1254760"/>
-            <a:ext cx="7394575" cy="829945"/>
+            <a:off x="2955925" y="1875155"/>
+            <a:ext cx="8458835" cy="2722880"/>
           </a:xfrm>
           <a:prstGeom prst="rect">
             <a:avLst/>
@@ -5029,151 +5499,127 @@
             <a:spAutoFit/>
           </a:bodyPr>
           <a:p>
-            <a:r>
-              <a:rPr lang="zh-CN" altLang="en-US" sz="4800">
-                <a:latin typeface="STHeiti Light" panose="02010600040101010101" charset="-122"/>
-                <a:ea typeface="STHeiti Light" panose="02010600040101010101" charset="-122"/>
+            <a:pPr marL="285750" indent="-285750">
+              <a:buFont typeface="Wingdings" panose="05000000000000000000" pitchFamily="2" charset="2"/>
+              <a:buChar char="u"/>
+            </a:pPr>
+            <a:r>
+              <a:rPr lang="en-US" sz="2400" b="1" dirty="0" smtClean="0">
+                <a:latin typeface="微软雅黑" charset="-122"/>
+                <a:ea typeface="微软雅黑" charset="-122"/>
+              </a:rPr>
+              <a:t> </a:t>
+            </a:r>
+            <a:r>
+              <a:rPr sz="2400" b="1" dirty="0" smtClean="0">
+                <a:latin typeface="微软雅黑" charset="-122"/>
+                <a:ea typeface="微软雅黑" charset="-122"/>
               </a:rPr>
               <a:t>课程安排</a:t>
             </a:r>
-            <a:endParaRPr lang="zh-CN" altLang="en-US" sz="4800">
-              <a:latin typeface="STHeiti Light" panose="02010600040101010101" charset="-122"/>
-              <a:ea typeface="STHeiti Light" panose="02010600040101010101" charset="-122"/>
-            </a:endParaRPr>
-          </a:p>
-        </p:txBody>
-      </p:sp>
-      <p:sp>
-        <p:nvSpPr>
-          <p:cNvPr id="3" name="文本框 2"/>
-          <p:cNvSpPr txBox="1"/>
-          <p:nvPr/>
-        </p:nvSpPr>
-        <p:spPr>
-          <a:xfrm>
-            <a:off x="2641600" y="2423160"/>
-            <a:ext cx="8258810" cy="1938020"/>
-          </a:xfrm>
-          <a:prstGeom prst="rect">
-            <a:avLst/>
-          </a:prstGeom>
-          <a:noFill/>
-        </p:spPr>
-        <p:txBody>
-          <a:bodyPr wrap="square" rtlCol="0">
-            <a:spAutoFit/>
-          </a:bodyPr>
-          <a:p>
-            <a:pPr algn="l"/>
-            <a:r>
-              <a:rPr sz="2400">
-                <a:latin typeface="STHeiti Light" panose="02010600040101010101" charset="-122"/>
-                <a:ea typeface="STHeiti Light" panose="02010600040101010101" charset="-122"/>
-                <a:cs typeface="STHeiti Light" panose="02010600040101010101" charset="-122"/>
-              </a:rPr>
-              <a:t>知识点：</a:t>
-            </a:r>
-            <a:r>
-              <a:rPr lang="zh-CN" sz="2400">
-                <a:latin typeface="STHeiti Light" panose="02010600040101010101" charset="-122"/>
-                <a:ea typeface="STHeiti Light" panose="02010600040101010101" charset="-122"/>
-                <a:cs typeface="STHeiti Light" panose="02010600040101010101" charset="-122"/>
-              </a:rPr>
-              <a:t>会分</a:t>
-            </a:r>
-            <a:r>
-              <a:rPr lang="en-US" altLang="zh-CN" sz="2400">
-                <a:latin typeface="STHeiti Light" panose="02010600040101010101" charset="-122"/>
-                <a:ea typeface="STHeiti Light" panose="02010600040101010101" charset="-122"/>
-                <a:cs typeface="STHeiti Light" panose="02010600040101010101" charset="-122"/>
-              </a:rPr>
-              <a:t>12</a:t>
-            </a:r>
-            <a:r>
-              <a:rPr lang="zh-CN" altLang="en-US" sz="2400">
-                <a:latin typeface="STHeiti Light" panose="02010600040101010101" charset="-122"/>
-                <a:ea typeface="STHeiti Light" panose="02010600040101010101" charset="-122"/>
-                <a:cs typeface="STHeiti Light" panose="02010600040101010101" charset="-122"/>
-              </a:rPr>
-              <a:t>次左右的现场或者线上的方式分享</a:t>
-            </a:r>
-            <a:r>
-              <a:rPr sz="2400">
-                <a:latin typeface="STHeiti Light" panose="02010600040101010101" charset="-122"/>
-                <a:ea typeface="STHeiti Light" panose="02010600040101010101" charset="-122"/>
-                <a:cs typeface="STHeiti Light" panose="02010600040101010101" charset="-122"/>
-              </a:rPr>
-              <a:t>（每</a:t>
-            </a:r>
-            <a:r>
-              <a:rPr lang="zh-CN" sz="2400">
-                <a:latin typeface="STHeiti Light" panose="02010600040101010101" charset="-122"/>
-                <a:ea typeface="STHeiti Light" panose="02010600040101010101" charset="-122"/>
-                <a:cs typeface="STHeiti Light" panose="02010600040101010101" charset="-122"/>
-              </a:rPr>
-              <a:t>次一个小时左右</a:t>
-            </a:r>
-            <a:r>
-              <a:rPr sz="2400">
-                <a:latin typeface="STHeiti Light" panose="02010600040101010101" charset="-122"/>
-                <a:ea typeface="STHeiti Light" panose="02010600040101010101" charset="-122"/>
-                <a:cs typeface="STHeiti Light" panose="02010600040101010101" charset="-122"/>
-              </a:rPr>
-              <a:t>）</a:t>
-            </a:r>
-            <a:endParaRPr sz="2400">
+            <a:r>
+              <a:rPr lang="zh-CN" sz="2400" b="1" dirty="0" smtClean="0">
+                <a:latin typeface="微软雅黑" charset="-122"/>
+                <a:ea typeface="微软雅黑" charset="-122"/>
+              </a:rPr>
+              <a:t>：</a:t>
+            </a:r>
+            <a:endParaRPr sz="2400" b="1" dirty="0" smtClean="0">
+              <a:latin typeface="微软雅黑" charset="-122"/>
+              <a:ea typeface="微软雅黑" charset="-122"/>
+            </a:endParaRPr>
+          </a:p>
+          <a:p>
+            <a:pPr indent="0">
+              <a:buFont typeface="Wingdings" panose="05000000000000000000" pitchFamily="2" charset="2"/>
+              <a:buNone/>
+            </a:pPr>
+            <a:endParaRPr lang="zh-CN" altLang="en-US" dirty="0" smtClean="0">
+              <a:latin typeface="微软雅黑" charset="-122"/>
+              <a:ea typeface="微软雅黑" charset="-122"/>
+              <a:sym typeface="+mn-ea"/>
+            </a:endParaRPr>
+          </a:p>
+          <a:p>
+            <a:pPr marL="285750" indent="-285750">
+              <a:lnSpc>
+                <a:spcPct val="150000"/>
+              </a:lnSpc>
+              <a:buFont typeface="Wingdings" panose="05000000000000000000" pitchFamily="2" charset="2"/>
+              <a:buChar char="Ø"/>
+            </a:pPr>
+            <a:r>
+              <a:rPr lang="zh-CN" altLang="en-US" sz="1800" dirty="0" smtClean="0">
+                <a:latin typeface="微软雅黑" charset="-122"/>
+                <a:ea typeface="微软雅黑" charset="-122"/>
+                <a:sym typeface="+mn-ea"/>
+              </a:rPr>
+              <a:t>知识点：会分12次左右的现场或者线上的方式分享（每次一个小时左右）</a:t>
+            </a:r>
+            <a:endParaRPr lang="zh-CN" altLang="en-US" sz="1800" dirty="0" smtClean="0">
+              <a:latin typeface="微软雅黑" charset="-122"/>
+              <a:ea typeface="微软雅黑" charset="-122"/>
+              <a:sym typeface="+mn-ea"/>
+            </a:endParaRPr>
+          </a:p>
+          <a:p>
+            <a:pPr marL="285750" indent="-285750">
+              <a:lnSpc>
+                <a:spcPct val="150000"/>
+              </a:lnSpc>
+              <a:buFont typeface="Wingdings" panose="05000000000000000000" pitchFamily="2" charset="2"/>
+              <a:buChar char="Ø"/>
+            </a:pPr>
+            <a:r>
+              <a:rPr lang="zh-CN" altLang="en-US" sz="1800" dirty="0" smtClean="0">
+                <a:latin typeface="微软雅黑" charset="-122"/>
+                <a:ea typeface="微软雅黑" charset="-122"/>
+                <a:sym typeface="+mn-ea"/>
+              </a:rPr>
+              <a:t>课件资料及后续作业题提交地址：https://github.com/sunshaobin/graphical-course</a:t>
+            </a:r>
+            <a:endParaRPr lang="zh-CN" altLang="en-US" sz="1800" dirty="0" smtClean="0">
+              <a:latin typeface="微软雅黑" charset="-122"/>
+              <a:ea typeface="微软雅黑" charset="-122"/>
+              <a:sym typeface="+mn-ea"/>
+            </a:endParaRPr>
+          </a:p>
+          <a:p>
+            <a:pPr marL="285750" indent="-285750">
+              <a:lnSpc>
+                <a:spcPct val="150000"/>
+              </a:lnSpc>
+              <a:buFont typeface="Wingdings" panose="05000000000000000000" pitchFamily="2" charset="2"/>
+              <a:buChar char="Ø"/>
+            </a:pPr>
+            <a:r>
+              <a:rPr lang="zh-CN" altLang="en-US" sz="1800" dirty="0" smtClean="0">
+                <a:latin typeface="微软雅黑" charset="-122"/>
+                <a:ea typeface="微软雅黑" charset="-122"/>
+                <a:sym typeface="+mn-ea"/>
+              </a:rPr>
+              <a:t>作业：10次左右（程序）</a:t>
+            </a:r>
+            <a:endParaRPr lang="zh-CN" sz="1400">
               <a:latin typeface="STHeiti Light" panose="02010600040101010101" charset="-122"/>
               <a:ea typeface="STHeiti Light" panose="02010600040101010101" charset="-122"/>
               <a:cs typeface="STHeiti Light" panose="02010600040101010101" charset="-122"/>
-            </a:endParaRPr>
-          </a:p>
-          <a:p>
-            <a:pPr algn="l"/>
-            <a:r>
-              <a:rPr lang="zh-CN" sz="2400">
-                <a:latin typeface="STHeiti Light" panose="02010600040101010101" charset="-122"/>
-                <a:ea typeface="STHeiti Light" panose="02010600040101010101" charset="-122"/>
-                <a:cs typeface="STHeiti Light" panose="02010600040101010101" charset="-122"/>
-                <a:sym typeface="+mn-ea"/>
-              </a:rPr>
-              <a:t>课件资料及后续作业题提交地址：https://github.com/sunshaobin/graphical-course</a:t>
-            </a:r>
-            <a:endParaRPr sz="2400">
+              <a:sym typeface="+mn-ea"/>
+            </a:endParaRPr>
+          </a:p>
+          <a:p>
+            <a:pPr marL="285750" indent="-285750">
+              <a:lnSpc>
+                <a:spcPct val="150000"/>
+              </a:lnSpc>
+              <a:buFont typeface="Wingdings" panose="05000000000000000000" pitchFamily="2" charset="2"/>
+              <a:buChar char="Ø"/>
+            </a:pPr>
+            <a:endParaRPr lang="zh-CN" altLang="en-US" sz="1400" dirty="0" smtClean="0">
               <a:latin typeface="STHeiti Light" panose="02010600040101010101" charset="-122"/>
               <a:ea typeface="STHeiti Light" panose="02010600040101010101" charset="-122"/>
               <a:cs typeface="STHeiti Light" panose="02010600040101010101" charset="-122"/>
-            </a:endParaRPr>
-          </a:p>
-          <a:p>
-            <a:pPr algn="l"/>
-            <a:r>
-              <a:rPr sz="2400">
-                <a:latin typeface="STHeiti Light" panose="02010600040101010101" charset="-122"/>
-                <a:ea typeface="STHeiti Light" panose="02010600040101010101" charset="-122"/>
-                <a:cs typeface="STHeiti Light" panose="02010600040101010101" charset="-122"/>
-              </a:rPr>
-              <a:t>作业：10次</a:t>
-            </a:r>
-            <a:r>
-              <a:rPr lang="zh-CN" sz="2400">
-                <a:latin typeface="STHeiti Light" panose="02010600040101010101" charset="-122"/>
-                <a:ea typeface="STHeiti Light" panose="02010600040101010101" charset="-122"/>
-                <a:cs typeface="STHeiti Light" panose="02010600040101010101" charset="-122"/>
-              </a:rPr>
-              <a:t>左右</a:t>
-            </a:r>
-            <a:r>
-              <a:rPr sz="2400">
-                <a:latin typeface="STHeiti Light" panose="02010600040101010101" charset="-122"/>
-                <a:ea typeface="STHeiti Light" panose="02010600040101010101" charset="-122"/>
-                <a:cs typeface="STHeiti Light" panose="02010600040101010101" charset="-122"/>
-              </a:rPr>
-              <a:t>（程序）</a:t>
-            </a:r>
-            <a:endParaRPr sz="2400">
-              <a:latin typeface="STHeiti Light" panose="02010600040101010101" charset="-122"/>
-              <a:ea typeface="STHeiti Light" panose="02010600040101010101" charset="-122"/>
-              <a:cs typeface="STHeiti Light" panose="02010600040101010101" charset="-122"/>
+              <a:sym typeface="+mn-ea"/>
             </a:endParaRPr>
           </a:p>
         </p:txBody>
@@ -5250,7 +5696,7 @@
         </p:blipFill>
         <p:spPr>
           <a:xfrm>
-            <a:off x="867410" y="1572895"/>
+            <a:off x="783590" y="1955165"/>
             <a:ext cx="1301750" cy="2948305"/>
           </a:xfrm>
           <a:prstGeom prst="rect">
@@ -5266,8 +5712,8 @@
         </p:nvSpPr>
         <p:spPr>
           <a:xfrm>
-            <a:off x="4099560" y="3014345"/>
-            <a:ext cx="3162300" cy="829945"/>
+            <a:off x="4542790" y="3014345"/>
+            <a:ext cx="5767070" cy="829945"/>
           </a:xfrm>
           <a:prstGeom prst="rect">
             <a:avLst/>
@@ -5281,8 +5727,8 @@
           <a:p>
             <a:r>
               <a:rPr sz="4800">
-                <a:latin typeface="STHeiti Light" panose="02010600040101010101" charset="-122"/>
-                <a:ea typeface="STHeiti Light" panose="02010600040101010101" charset="-122"/>
+                <a:latin typeface="微软雅黑" charset="0"/>
+                <a:ea typeface="微软雅黑" charset="0"/>
               </a:rPr>
               <a:t>Let's start</a:t>
             </a:r>
@@ -5372,7 +5818,7 @@
         </p:blipFill>
         <p:spPr>
           <a:xfrm>
-            <a:off x="867410" y="1572895"/>
+            <a:off x="741045" y="1955165"/>
             <a:ext cx="1301750" cy="2948305"/>
           </a:xfrm>
           <a:prstGeom prst="rect">
@@ -5388,8 +5834,8 @@
         </p:nvSpPr>
         <p:spPr>
           <a:xfrm>
-            <a:off x="3677285" y="3014345"/>
-            <a:ext cx="4558030" cy="829945"/>
+            <a:off x="4182110" y="3014345"/>
+            <a:ext cx="5104765" cy="829945"/>
           </a:xfrm>
           <a:prstGeom prst="rect">
             <a:avLst/>
@@ -5403,21 +5849,21 @@
           <a:p>
             <a:r>
               <a:rPr sz="4800">
-                <a:latin typeface="STHeiti Light" panose="02010600040101010101" charset="-122"/>
-                <a:ea typeface="STHeiti Light" panose="02010600040101010101" charset="-122"/>
+                <a:latin typeface="微软雅黑" charset="0"/>
+                <a:ea typeface="微软雅黑" charset="0"/>
               </a:rPr>
               <a:t>图形与图像</a:t>
             </a:r>
             <a:r>
               <a:rPr lang="zh-CN" sz="4800">
-                <a:latin typeface="STHeiti Light" panose="02010600040101010101" charset="-122"/>
-                <a:ea typeface="STHeiti Light" panose="02010600040101010101" charset="-122"/>
+                <a:latin typeface="微软雅黑" charset="0"/>
+                <a:ea typeface="微软雅黑" charset="0"/>
               </a:rPr>
               <a:t>简介</a:t>
             </a:r>
             <a:endParaRPr lang="zh-CN" sz="4800">
-              <a:latin typeface="STHeiti Light" panose="02010600040101010101" charset="-122"/>
-              <a:ea typeface="STHeiti Light" panose="02010600040101010101" charset="-122"/>
+              <a:latin typeface="微软雅黑" charset="0"/>
+              <a:ea typeface="微软雅黑" charset="0"/>
             </a:endParaRPr>
           </a:p>
         </p:txBody>
@@ -5494,7 +5940,7 @@
         </p:blipFill>
         <p:spPr>
           <a:xfrm>
-            <a:off x="867410" y="1572895"/>
+            <a:off x="782955" y="1955165"/>
             <a:ext cx="1301750" cy="2948305"/>
           </a:xfrm>
           <a:prstGeom prst="rect">
@@ -5502,67 +5948,6 @@
           </a:prstGeom>
         </p:spPr>
       </p:pic>
-      <p:sp>
-        <p:nvSpPr>
-          <p:cNvPr id="5" name="文本框 4"/>
-          <p:cNvSpPr txBox="1"/>
-          <p:nvPr/>
-        </p:nvSpPr>
-        <p:spPr>
-          <a:xfrm>
-            <a:off x="2830195" y="1871345"/>
-            <a:ext cx="6984365" cy="1568450"/>
-          </a:xfrm>
-          <a:prstGeom prst="rect">
-            <a:avLst/>
-          </a:prstGeom>
-          <a:noFill/>
-        </p:spPr>
-        <p:txBody>
-          <a:bodyPr wrap="square" rtlCol="0">
-            <a:spAutoFit/>
-          </a:bodyPr>
-          <a:p>
-            <a:r>
-              <a:rPr sz="3200">
-                <a:latin typeface="STHeiti Light" panose="02010600040101010101" charset="-122"/>
-                <a:ea typeface="STHeiti Light" panose="02010600040101010101" charset="-122"/>
-              </a:rPr>
-              <a:t>图形(Graph) 与 图像(Image)</a:t>
-            </a:r>
-            <a:endParaRPr sz="3200">
-              <a:latin typeface="STHeiti Light" panose="02010600040101010101" charset="-122"/>
-              <a:ea typeface="STHeiti Light" panose="02010600040101010101" charset="-122"/>
-            </a:endParaRPr>
-          </a:p>
-          <a:p>
-            <a:r>
-              <a:rPr sz="3200">
-                <a:latin typeface="STHeiti Light" panose="02010600040101010101" charset="-122"/>
-                <a:ea typeface="STHeiti Light" panose="02010600040101010101" charset="-122"/>
-              </a:rPr>
-              <a:t>• 图像：一堆像素组成的二维栅格</a:t>
-            </a:r>
-            <a:endParaRPr sz="3200">
-              <a:latin typeface="STHeiti Light" panose="02010600040101010101" charset="-122"/>
-              <a:ea typeface="STHeiti Light" panose="02010600040101010101" charset="-122"/>
-            </a:endParaRPr>
-          </a:p>
-          <a:p>
-            <a:r>
-              <a:rPr sz="3200">
-                <a:latin typeface="STHeiti Light" panose="02010600040101010101" charset="-122"/>
-                <a:ea typeface="STHeiti Light" panose="02010600040101010101" charset="-122"/>
-              </a:rPr>
-              <a:t>• 图形：含有表示“形”的几何信息</a:t>
-            </a:r>
-            <a:endParaRPr sz="3200">
-              <a:latin typeface="STHeiti Light" panose="02010600040101010101" charset="-122"/>
-              <a:ea typeface="STHeiti Light" panose="02010600040101010101" charset="-122"/>
-            </a:endParaRPr>
-          </a:p>
-        </p:txBody>
-      </p:sp>
       <p:pic>
         <p:nvPicPr>
           <p:cNvPr id="3" name="图片 2"/>
@@ -5579,14 +5964,158 @@
         </p:blipFill>
         <p:spPr>
           <a:xfrm>
-            <a:off x="3059430" y="3439795"/>
-            <a:ext cx="4914900" cy="2755900"/>
+            <a:off x="2562860" y="2250440"/>
+            <a:ext cx="4203700" cy="2357120"/>
           </a:xfrm>
           <a:prstGeom prst="rect">
             <a:avLst/>
           </a:prstGeom>
         </p:spPr>
       </p:pic>
+      <p:sp>
+        <p:nvSpPr>
+          <p:cNvPr id="12" name="文本框 11"/>
+          <p:cNvSpPr txBox="1"/>
+          <p:nvPr/>
+        </p:nvSpPr>
+        <p:spPr>
+          <a:xfrm>
+            <a:off x="7244715" y="2250440"/>
+            <a:ext cx="4718685" cy="2491740"/>
+          </a:xfrm>
+          <a:prstGeom prst="rect">
+            <a:avLst/>
+          </a:prstGeom>
+          <a:noFill/>
+        </p:spPr>
+        <p:txBody>
+          <a:bodyPr wrap="square" rtlCol="0">
+            <a:spAutoFit/>
+          </a:bodyPr>
+          <a:p>
+            <a:pPr marL="285750" indent="-285750">
+              <a:buFont typeface="Wingdings" panose="05000000000000000000" pitchFamily="2" charset="2"/>
+              <a:buChar char="u"/>
+            </a:pPr>
+            <a:r>
+              <a:rPr lang="en-US" sz="2400" b="1" dirty="0" smtClean="0">
+                <a:latin typeface="微软雅黑" charset="-122"/>
+                <a:ea typeface="微软雅黑" charset="-122"/>
+              </a:rPr>
+              <a:t> </a:t>
+            </a:r>
+            <a:r>
+              <a:rPr sz="2400" b="1" dirty="0" smtClean="0">
+                <a:latin typeface="微软雅黑" charset="-122"/>
+                <a:ea typeface="微软雅黑" charset="-122"/>
+                <a:sym typeface="+mn-ea"/>
+              </a:rPr>
+              <a:t>图形(Graph) 与 图像(Image)</a:t>
+            </a:r>
+            <a:endParaRPr sz="2400" b="1" dirty="0" smtClean="0">
+              <a:latin typeface="微软雅黑" charset="-122"/>
+              <a:ea typeface="微软雅黑" charset="-122"/>
+              <a:sym typeface="+mn-ea"/>
+            </a:endParaRPr>
+          </a:p>
+          <a:p>
+            <a:pPr indent="0">
+              <a:buFont typeface="Wingdings" panose="05000000000000000000" pitchFamily="2" charset="2"/>
+              <a:buNone/>
+            </a:pPr>
+            <a:endParaRPr sz="2400" b="1" dirty="0" smtClean="0">
+              <a:latin typeface="微软雅黑" charset="-122"/>
+              <a:ea typeface="微软雅黑" charset="-122"/>
+            </a:endParaRPr>
+          </a:p>
+          <a:p>
+            <a:pPr marL="285750" indent="-285750">
+              <a:lnSpc>
+                <a:spcPct val="150000"/>
+              </a:lnSpc>
+              <a:buFont typeface="Wingdings" panose="05000000000000000000" pitchFamily="2" charset="2"/>
+              <a:buChar char="Ø"/>
+            </a:pPr>
+            <a:r>
+              <a:rPr>
+                <a:solidFill>
+                  <a:srgbClr val="FF0000"/>
+                </a:solidFill>
+                <a:latin typeface="STHeiti Light" panose="02010600040101010101" charset="-122"/>
+                <a:ea typeface="STHeiti Light" panose="02010600040101010101" charset="-122"/>
+                <a:sym typeface="+mn-ea"/>
+              </a:rPr>
+              <a:t>图像</a:t>
+            </a:r>
+            <a:r>
+              <a:rPr>
+                <a:latin typeface="STHeiti Light" panose="02010600040101010101" charset="-122"/>
+                <a:ea typeface="STHeiti Light" panose="02010600040101010101" charset="-122"/>
+                <a:sym typeface="+mn-ea"/>
+              </a:rPr>
+              <a:t>：一堆像素组成的二维栅格</a:t>
+            </a:r>
+            <a:r>
+              <a:rPr lang="zh-CN" altLang="en-US" dirty="0" smtClean="0">
+                <a:latin typeface="微软雅黑" charset="-122"/>
+                <a:ea typeface="微软雅黑" charset="-122"/>
+                <a:sym typeface="+mn-ea"/>
+              </a:rPr>
+              <a:t>理解并掌握大量的图形概念与原理</a:t>
+            </a:r>
+            <a:endParaRPr lang="zh-CN" altLang="en-US" dirty="0" smtClean="0">
+              <a:latin typeface="微软雅黑" charset="-122"/>
+              <a:ea typeface="微软雅黑" charset="-122"/>
+              <a:sym typeface="+mn-ea"/>
+            </a:endParaRPr>
+          </a:p>
+          <a:p>
+            <a:pPr marL="285750" indent="-285750">
+              <a:lnSpc>
+                <a:spcPct val="150000"/>
+              </a:lnSpc>
+              <a:buFont typeface="Wingdings" panose="05000000000000000000" pitchFamily="2" charset="2"/>
+              <a:buChar char="Ø"/>
+            </a:pPr>
+            <a:r>
+              <a:rPr>
+                <a:solidFill>
+                  <a:srgbClr val="FF0000"/>
+                </a:solidFill>
+                <a:latin typeface="STHeiti Light" panose="02010600040101010101" charset="-122"/>
+                <a:ea typeface="STHeiti Light" panose="02010600040101010101" charset="-122"/>
+                <a:sym typeface="+mn-ea"/>
+              </a:rPr>
+              <a:t>图形</a:t>
+            </a:r>
+            <a:r>
+              <a:rPr>
+                <a:latin typeface="STHeiti Light" panose="02010600040101010101" charset="-122"/>
+                <a:ea typeface="STHeiti Light" panose="02010600040101010101" charset="-122"/>
+                <a:sym typeface="+mn-ea"/>
+              </a:rPr>
+              <a:t>：含有表示“形”的几何信息</a:t>
+            </a:r>
+            <a:endParaRPr>
+              <a:latin typeface="STHeiti Light" panose="02010600040101010101" charset="-122"/>
+              <a:ea typeface="STHeiti Light" panose="02010600040101010101" charset="-122"/>
+            </a:endParaRPr>
+          </a:p>
+          <a:p>
+            <a:pPr marL="285750" indent="-285750">
+              <a:lnSpc>
+                <a:spcPct val="150000"/>
+              </a:lnSpc>
+              <a:buFont typeface="Wingdings" panose="05000000000000000000" pitchFamily="2" charset="2"/>
+              <a:buChar char="Ø"/>
+            </a:pPr>
+            <a:endParaRPr lang="zh-CN" altLang="en-US" sz="1800" dirty="0" smtClean="0">
+              <a:latin typeface="微软雅黑" charset="-122"/>
+              <a:ea typeface="微软雅黑" charset="-122"/>
+            </a:endParaRPr>
+          </a:p>
+        </p:txBody>
+      </p:sp>
     </p:spTree>
   </p:cSld>
   <p:clrMapOvr>

--- a/courseware-materials/lecture1/graphical-course-lecture1.pptx
+++ b/courseware-materials/lecture1/graphical-course-lecture1.pptx
@@ -2792,16 +2792,12 @@
             <a:pPr algn="ctr"/>
             <a:r>
               <a:rPr lang="zh-CN" altLang="en-US">
-                <a:latin typeface="报隶-繁" panose="02010600040101010101" charset="-122"/>
-                <a:ea typeface="+mj-lt"/>
-                <a:cs typeface="报隶-繁" panose="02010600040101010101" charset="-122"/>
+                <a:cs typeface="+mj-lt"/>
               </a:rPr>
               <a:t>Lecture 1:</a:t>
             </a:r>
             <a:endParaRPr lang="zh-CN" altLang="en-US">
-              <a:latin typeface="报隶-繁" panose="02010600040101010101" charset="-122"/>
-              <a:ea typeface="+mj-lt"/>
-              <a:cs typeface="报隶-繁" panose="02010600040101010101" charset="-122"/>
+              <a:cs typeface="+mj-lt"/>
             </a:endParaRPr>
           </a:p>
         </p:txBody>
